--- a/Pedidos/Consideraciones/Petroquimical.pptx
+++ b/Pedidos/Consideraciones/Petroquimical.pptx
@@ -6,20 +6,23 @@
   </p:sldMasterIdLst>
   <p:sldIdLst>
     <p:sldId id="256" r:id="rId2"/>
-    <p:sldId id="257" r:id="rId3"/>
-    <p:sldId id="258" r:id="rId4"/>
-    <p:sldId id="260" r:id="rId5"/>
-    <p:sldId id="259" r:id="rId6"/>
-    <p:sldId id="261" r:id="rId7"/>
-    <p:sldId id="262" r:id="rId8"/>
-    <p:sldId id="263" r:id="rId9"/>
-    <p:sldId id="264" r:id="rId10"/>
-    <p:sldId id="265" r:id="rId11"/>
-    <p:sldId id="266" r:id="rId12"/>
-    <p:sldId id="267" r:id="rId13"/>
-    <p:sldId id="268" r:id="rId14"/>
-    <p:sldId id="269" r:id="rId15"/>
-    <p:sldId id="270" r:id="rId16"/>
+    <p:sldId id="273" r:id="rId3"/>
+    <p:sldId id="257" r:id="rId4"/>
+    <p:sldId id="258" r:id="rId5"/>
+    <p:sldId id="272" r:id="rId6"/>
+    <p:sldId id="260" r:id="rId7"/>
+    <p:sldId id="259" r:id="rId8"/>
+    <p:sldId id="261" r:id="rId9"/>
+    <p:sldId id="262" r:id="rId10"/>
+    <p:sldId id="263" r:id="rId11"/>
+    <p:sldId id="264" r:id="rId12"/>
+    <p:sldId id="265" r:id="rId13"/>
+    <p:sldId id="266" r:id="rId14"/>
+    <p:sldId id="267" r:id="rId15"/>
+    <p:sldId id="268" r:id="rId16"/>
+    <p:sldId id="269" r:id="rId17"/>
+    <p:sldId id="270" r:id="rId18"/>
+    <p:sldId id="271" r:id="rId19"/>
   </p:sldIdLst>
   <p:sldSz cx="12192000" cy="6858000"/>
   <p:notesSz cx="6858000" cy="9144000"/>
@@ -5936,9 +5939,12 @@
           <a:bodyPr/>
           <a:lstStyle/>
           <a:p>
-            <a:r>
-              <a:rPr lang="en-US" dirty="0"/>
-              <a:t>Automated System</a:t>
+            <a:br>
+              <a:rPr lang="en-US" dirty="0"/>
+            </a:br>
+            <a:r>
+              <a:rPr lang="en-US" dirty="0"/>
+              <a:t>Automated Test System</a:t>
             </a:r>
           </a:p>
         </p:txBody>
@@ -5978,7 +5984,7 @@
           <p:cNvPr id="2" name="Título 1">
             <a:extLst>
               <a:ext uri="{FF2B5EF4-FFF2-40B4-BE49-F238E27FC236}">
-                <a16:creationId xmlns:a16="http://schemas.microsoft.com/office/drawing/2014/main" id="{6FE601AD-B971-418C-B3D6-64F9F9F53168}"/>
+                <a16:creationId xmlns:a16="http://schemas.microsoft.com/office/drawing/2014/main" id="{9359DE35-1419-4B72-AC2B-2D6C6FA0E798}"/>
               </a:ext>
             </a:extLst>
           </p:cNvPr>
@@ -5995,37 +6001,10 @@
           <a:lstStyle/>
           <a:p>
             <a:r>
-              <a:rPr lang="en-US" dirty="0" err="1"/>
-              <a:t>Consideraciónes</a:t>
-            </a:r>
-            <a:r>
-              <a:rPr lang="en-US" dirty="0"/>
-              <a:t> </a:t>
-            </a:r>
-            <a:r>
-              <a:rPr lang="en-US" dirty="0" err="1"/>
-              <a:t>en</a:t>
-            </a:r>
-            <a:r>
-              <a:rPr lang="en-US" dirty="0"/>
-              <a:t> </a:t>
-            </a:r>
-            <a:r>
-              <a:rPr lang="en-US" dirty="0" err="1"/>
-              <a:t>Crear</a:t>
-            </a:r>
-            <a:r>
-              <a:rPr lang="en-US" dirty="0"/>
-              <a:t> </a:t>
-            </a:r>
-            <a:r>
-              <a:rPr lang="en-US" dirty="0" err="1"/>
-              <a:t>Pedidos</a:t>
-            </a:r>
-            <a:r>
-              <a:rPr lang="en-US" dirty="0"/>
-              <a:t> 40 pies</a:t>
-            </a:r>
+              <a:rPr lang="es-VE" dirty="0"/>
+              <a:t>Consideraciones en Inventario</a:t>
+            </a:r>
+            <a:endParaRPr lang="en-US" dirty="0"/>
           </a:p>
         </p:txBody>
       </p:sp>
@@ -6034,7 +6013,7 @@
           <p:cNvPr id="3" name="Marcador de contenido 2">
             <a:extLst>
               <a:ext uri="{FF2B5EF4-FFF2-40B4-BE49-F238E27FC236}">
-                <a16:creationId xmlns:a16="http://schemas.microsoft.com/office/drawing/2014/main" id="{292C1E6C-7B7E-4E22-B587-A3BCFB37B1FD}"/>
+                <a16:creationId xmlns:a16="http://schemas.microsoft.com/office/drawing/2014/main" id="{89AA158B-1156-4FDE-99EA-0D7729CF71DA}"/>
               </a:ext>
             </a:extLst>
           </p:cNvPr>
@@ -6047,263 +6026,35 @@
         </p:nvSpPr>
         <p:spPr/>
         <p:txBody>
-          <a:bodyPr>
-            <a:normAutofit fontScale="92500"/>
-          </a:bodyPr>
+          <a:bodyPr/>
           <a:lstStyle/>
           <a:p>
             <a:r>
               <a:rPr lang="es-VE" dirty="0"/>
-              <a:t>Se toman de la BD los productos que soportan peso y los que no soportan peso.</a:t>
-            </a:r>
-          </a:p>
-          <a:p>
-            <a:r>
-              <a:rPr lang="en-US" dirty="0"/>
-              <a:t>Se </a:t>
-            </a:r>
-            <a:r>
-              <a:rPr lang="en-US" dirty="0" err="1"/>
-              <a:t>unen</a:t>
-            </a:r>
-            <a:r>
-              <a:rPr lang="en-US" dirty="0"/>
-              <a:t> </a:t>
-            </a:r>
-            <a:r>
-              <a:rPr lang="en-US" dirty="0" err="1"/>
-              <a:t>en</a:t>
-            </a:r>
-            <a:r>
-              <a:rPr lang="en-US" dirty="0"/>
-              <a:t> el </a:t>
-            </a:r>
-            <a:r>
-              <a:rPr lang="en-US" dirty="0" err="1"/>
-              <a:t>archivo</a:t>
-            </a:r>
-            <a:r>
-              <a:rPr lang="en-US" dirty="0"/>
-              <a:t> los </a:t>
-            </a:r>
-            <a:r>
-              <a:rPr lang="en-US" dirty="0" err="1"/>
-              <a:t>productos</a:t>
-            </a:r>
-            <a:r>
-              <a:rPr lang="en-US" dirty="0"/>
-              <a:t> que </a:t>
+              <a:t>El Concepto y Motivo son constantes y se pueden cambiar en las variables globales: </a:t>
+            </a:r>
+            <a:r>
+              <a:rPr lang="es-VE" dirty="0" err="1"/>
+              <a:t>EntradaDeMercancias</a:t>
             </a:r>
             <a:r>
               <a:rPr lang="es-VE" dirty="0"/>
-              <a:t>soportan peso y los que no soportan peso.</a:t>
-            </a:r>
-          </a:p>
-          <a:p>
-            <a:r>
-              <a:rPr lang="en-US" dirty="0"/>
-              <a:t>La </a:t>
-            </a:r>
-            <a:r>
-              <a:rPr lang="en-US" dirty="0" err="1"/>
-              <a:t>columna</a:t>
-            </a:r>
-            <a:r>
-              <a:rPr lang="en-US" dirty="0"/>
-              <a:t> </a:t>
-            </a:r>
-            <a:r>
-              <a:rPr lang="en-US" dirty="0" err="1"/>
-              <a:t>iterar</a:t>
-            </a:r>
-            <a:r>
-              <a:rPr lang="en-US" dirty="0"/>
-              <a:t> </a:t>
-            </a:r>
-            <a:r>
-              <a:rPr lang="en-US" dirty="0" err="1"/>
-              <a:t>indica</a:t>
-            </a:r>
-            <a:r>
-              <a:rPr lang="en-US" dirty="0"/>
-              <a:t> la </a:t>
-            </a:r>
-            <a:r>
-              <a:rPr lang="en-US" dirty="0" err="1"/>
-              <a:t>cantidad</a:t>
-            </a:r>
-            <a:r>
-              <a:rPr lang="en-US" dirty="0"/>
-              <a:t> de </a:t>
-            </a:r>
-            <a:r>
-              <a:rPr lang="en-US" dirty="0" err="1"/>
-              <a:t>productos</a:t>
-            </a:r>
-            <a:r>
-              <a:rPr lang="en-US" dirty="0"/>
-              <a:t> de entrada para el </a:t>
-            </a:r>
-            <a:r>
-              <a:rPr lang="en-US" dirty="0" err="1"/>
-              <a:t>pedido</a:t>
-            </a:r>
-            <a:r>
-              <a:rPr lang="en-US" dirty="0"/>
+              <a:t> y </a:t>
+            </a:r>
+            <a:r>
+              <a:rPr lang="es-VE" dirty="0" err="1"/>
+              <a:t>EntradaPorFabricacion</a:t>
+            </a:r>
+            <a:r>
+              <a:rPr lang="es-VE" dirty="0"/>
               <a:t>.</a:t>
             </a:r>
           </a:p>
           <a:p>
             <a:r>
-              <a:rPr lang="en-US" dirty="0"/>
-              <a:t>La </a:t>
-            </a:r>
-            <a:r>
-              <a:rPr lang="en-US" dirty="0" err="1"/>
-              <a:t>cantidad</a:t>
-            </a:r>
-            <a:r>
-              <a:rPr lang="en-US" dirty="0"/>
-              <a:t> de </a:t>
-            </a:r>
-            <a:r>
-              <a:rPr lang="en-US" dirty="0" err="1"/>
-              <a:t>productos</a:t>
-            </a:r>
-            <a:r>
-              <a:rPr lang="en-US" dirty="0"/>
-              <a:t> que </a:t>
-            </a:r>
-            <a:r>
-              <a:rPr lang="en-US" dirty="0" err="1"/>
-              <a:t>soportan</a:t>
-            </a:r>
-            <a:r>
-              <a:rPr lang="en-US" dirty="0"/>
-              <a:t> y no </a:t>
-            </a:r>
-            <a:r>
-              <a:rPr lang="en-US" dirty="0" err="1"/>
-              <a:t>soportan</a:t>
-            </a:r>
-            <a:r>
-              <a:rPr lang="en-US" dirty="0"/>
-              <a:t> peso se </a:t>
-            </a:r>
-            <a:r>
-              <a:rPr lang="en-US" dirty="0" err="1"/>
-              <a:t>puede</a:t>
-            </a:r>
-            <a:r>
-              <a:rPr lang="en-US" dirty="0"/>
-              <a:t> </a:t>
-            </a:r>
-            <a:r>
-              <a:rPr lang="en-US" dirty="0" err="1"/>
-              <a:t>cambiar</a:t>
-            </a:r>
-            <a:r>
-              <a:rPr lang="en-US" dirty="0"/>
-              <a:t> </a:t>
-            </a:r>
-            <a:r>
-              <a:rPr lang="en-US" dirty="0" err="1"/>
-              <a:t>en</a:t>
-            </a:r>
-            <a:r>
-              <a:rPr lang="en-US" dirty="0"/>
-              <a:t> las variables </a:t>
-            </a:r>
-            <a:r>
-              <a:rPr lang="en-US" dirty="0" err="1"/>
-              <a:t>globales</a:t>
-            </a:r>
-            <a:r>
-              <a:rPr lang="en-US" dirty="0"/>
-              <a:t> de </a:t>
-            </a:r>
-            <a:r>
-              <a:rPr lang="en-US" dirty="0" err="1"/>
-              <a:t>Katalon</a:t>
-            </a:r>
-            <a:r>
-              <a:rPr lang="en-US" dirty="0"/>
-              <a:t>(</a:t>
-            </a:r>
-            <a:r>
-              <a:rPr lang="en-US" i="1" dirty="0" err="1"/>
-              <a:t>CantidadSoporta</a:t>
-            </a:r>
-            <a:r>
-              <a:rPr lang="en-US" i="1" dirty="0"/>
-              <a:t>, </a:t>
-            </a:r>
-            <a:r>
-              <a:rPr lang="en-US" i="1" dirty="0" err="1"/>
-              <a:t>CantidadNoSoporta</a:t>
-            </a:r>
-            <a:r>
-              <a:rPr lang="en-US" dirty="0"/>
-              <a:t>), el </a:t>
-            </a:r>
-            <a:r>
-              <a:rPr lang="en-US" dirty="0" err="1"/>
-              <a:t>cual</a:t>
-            </a:r>
-            <a:r>
-              <a:rPr lang="en-US" dirty="0"/>
-              <a:t> no debe ser mayor de 20 (</a:t>
-            </a:r>
-            <a:r>
-              <a:rPr lang="en-US" dirty="0" err="1"/>
-              <a:t>este</a:t>
-            </a:r>
-            <a:r>
-              <a:rPr lang="en-US" dirty="0"/>
-              <a:t> es el valor </a:t>
-            </a:r>
-            <a:r>
-              <a:rPr lang="en-US" dirty="0" err="1"/>
-              <a:t>minimo</a:t>
-            </a:r>
-            <a:r>
-              <a:rPr lang="en-US" dirty="0"/>
-              <a:t> </a:t>
-            </a:r>
-            <a:r>
-              <a:rPr lang="en-US" dirty="0" err="1"/>
-              <a:t>necesario</a:t>
-            </a:r>
-            <a:r>
-              <a:rPr lang="en-US" dirty="0"/>
-              <a:t> para </a:t>
-            </a:r>
-            <a:r>
-              <a:rPr lang="en-US" dirty="0" err="1"/>
-              <a:t>empezar</a:t>
-            </a:r>
-            <a:r>
-              <a:rPr lang="en-US" dirty="0"/>
-              <a:t> a </a:t>
-            </a:r>
-            <a:r>
-              <a:rPr lang="en-US" dirty="0" err="1"/>
-              <a:t>llenar</a:t>
-            </a:r>
-            <a:r>
-              <a:rPr lang="en-US" dirty="0"/>
-              <a:t> el </a:t>
-            </a:r>
-            <a:r>
-              <a:rPr lang="en-US" dirty="0" err="1"/>
-              <a:t>contenedor</a:t>
-            </a:r>
-            <a:r>
-              <a:rPr lang="en-US" dirty="0"/>
-              <a:t>).</a:t>
-            </a:r>
-          </a:p>
-          <a:p>
+              <a:rPr lang="es-VE" dirty="0"/>
+              <a:t>Se añaden los productos y cantidades que tienen los pedidos </a:t>
+            </a:r>
             <a:endParaRPr lang="en-US" dirty="0"/>
           </a:p>
         </p:txBody>
@@ -6311,7 +6062,7 @@
     </p:spTree>
     <p:extLst>
       <p:ext uri="{BB962C8B-B14F-4D97-AF65-F5344CB8AC3E}">
-        <p14:creationId xmlns:p14="http://schemas.microsoft.com/office/powerpoint/2010/main" val="2496584847"/>
+        <p14:creationId xmlns:p14="http://schemas.microsoft.com/office/powerpoint/2010/main" val="3243823854"/>
       </p:ext>
     </p:extLst>
   </p:cSld>
@@ -6343,7 +6094,7 @@
           <p:cNvPr id="2" name="Título 1">
             <a:extLst>
               <a:ext uri="{FF2B5EF4-FFF2-40B4-BE49-F238E27FC236}">
-                <a16:creationId xmlns:a16="http://schemas.microsoft.com/office/drawing/2014/main" id="{6E394DF3-5641-4DFA-B11D-1472885360BB}"/>
+                <a16:creationId xmlns:a16="http://schemas.microsoft.com/office/drawing/2014/main" id="{7EEEB668-EA4C-4890-A5FB-75A32E2F962A}"/>
               </a:ext>
             </a:extLst>
           </p:cNvPr>
@@ -6360,37 +6111,10 @@
           <a:lstStyle/>
           <a:p>
             <a:r>
-              <a:rPr lang="en-US" dirty="0" err="1"/>
-              <a:t>Consideraciónes</a:t>
-            </a:r>
-            <a:r>
-              <a:rPr lang="en-US" dirty="0"/>
-              <a:t> </a:t>
-            </a:r>
-            <a:r>
-              <a:rPr lang="en-US" dirty="0" err="1"/>
-              <a:t>en</a:t>
-            </a:r>
-            <a:r>
-              <a:rPr lang="en-US" dirty="0"/>
-              <a:t> </a:t>
-            </a:r>
-            <a:r>
-              <a:rPr lang="en-US" dirty="0" err="1"/>
-              <a:t>Crear</a:t>
-            </a:r>
-            <a:r>
-              <a:rPr lang="en-US" dirty="0"/>
-              <a:t> </a:t>
-            </a:r>
-            <a:r>
-              <a:rPr lang="en-US" dirty="0" err="1"/>
-              <a:t>Pedidos</a:t>
-            </a:r>
-            <a:r>
-              <a:rPr lang="en-US" dirty="0"/>
-              <a:t> 40 pies</a:t>
-            </a:r>
+              <a:rPr lang="es-VE" dirty="0"/>
+              <a:t>Consideraciones en Despacho</a:t>
+            </a:r>
+            <a:endParaRPr lang="en-US" dirty="0"/>
           </a:p>
         </p:txBody>
       </p:sp>
@@ -6399,7 +6123,7 @@
           <p:cNvPr id="3" name="Marcador de contenido 2">
             <a:extLst>
               <a:ext uri="{FF2B5EF4-FFF2-40B4-BE49-F238E27FC236}">
-                <a16:creationId xmlns:a16="http://schemas.microsoft.com/office/drawing/2014/main" id="{95566D2D-3913-4B15-B722-10748B0A75E3}"/>
+                <a16:creationId xmlns:a16="http://schemas.microsoft.com/office/drawing/2014/main" id="{6CDA1F8C-CAA0-422D-9E3F-67A703517D74}"/>
               </a:ext>
             </a:extLst>
           </p:cNvPr>
@@ -6412,101 +6136,69 @@
         </p:nvSpPr>
         <p:spPr/>
         <p:txBody>
-          <a:bodyPr>
-            <a:normAutofit/>
-          </a:bodyPr>
+          <a:bodyPr/>
           <a:lstStyle/>
           <a:p>
-            <a:pPr marL="0" indent="0">
-              <a:buNone/>
-            </a:pPr>
-            <a:r>
-              <a:rPr lang="en-US" dirty="0"/>
-              <a:t>El </a:t>
-            </a:r>
-            <a:r>
-              <a:rPr lang="en-US" dirty="0" err="1"/>
-              <a:t>PesoProducto</a:t>
-            </a:r>
-            <a:r>
-              <a:rPr lang="en-US" dirty="0"/>
-              <a:t>&lt;=</a:t>
-            </a:r>
-            <a:r>
-              <a:rPr lang="en-US" dirty="0" err="1"/>
-              <a:t>CapacidadDisponible</a:t>
-            </a:r>
+            <a:r>
+              <a:rPr lang="es-VE" dirty="0"/>
+              <a:t>La cantidad a despachar es constante por lo que se puede cambiar en las variables globales de </a:t>
+            </a:r>
+            <a:r>
+              <a:rPr lang="es-VE" dirty="0" err="1"/>
+              <a:t>Katalon</a:t>
+            </a:r>
+            <a:r>
+              <a:rPr lang="es-VE" dirty="0"/>
+              <a:t>. Siempre será la misma para todos los pedidos.</a:t>
+            </a:r>
+          </a:p>
+          <a:p>
+            <a:r>
+              <a:rPr lang="en-US" dirty="0"/>
+              <a:t>Los </a:t>
+            </a:r>
+            <a:r>
+              <a:rPr lang="en-US" dirty="0" err="1"/>
+              <a:t>pedidos</a:t>
+            </a:r>
+            <a:r>
+              <a:rPr lang="en-US" dirty="0"/>
+              <a:t> </a:t>
+            </a:r>
+            <a:r>
+              <a:rPr lang="en-US" dirty="0" err="1"/>
+              <a:t>seleccionados</a:t>
+            </a:r>
+            <a:r>
+              <a:rPr lang="en-US" dirty="0"/>
+              <a:t> </a:t>
+            </a:r>
+            <a:r>
+              <a:rPr lang="en-US" dirty="0" err="1"/>
+              <a:t>están</a:t>
+            </a:r>
+            <a:r>
+              <a:rPr lang="en-US" dirty="0"/>
+              <a:t> </a:t>
+            </a:r>
+            <a:r>
+              <a:rPr lang="en-US" dirty="0" err="1"/>
+              <a:t>en</a:t>
+            </a:r>
+            <a:r>
+              <a:rPr lang="en-US" dirty="0"/>
+              <a:t> </a:t>
+            </a:r>
+            <a:r>
+              <a:rPr lang="es-VE" dirty="0"/>
+              <a:t>estado producido.</a:t>
+            </a:r>
+            <a:endParaRPr lang="en-US" dirty="0"/>
+          </a:p>
+          <a:p>
             <a:endParaRPr lang="es-VE" dirty="0"/>
           </a:p>
           <a:p>
-            <a:r>
-              <a:rPr lang="es-VE" dirty="0"/>
-              <a:t>Caso 1: </a:t>
-            </a:r>
-            <a:r>
-              <a:rPr lang="es-ES" dirty="0"/>
-              <a:t>Se añade un solo producto que soporta peso hasta que llene la capacidad de contenedor</a:t>
-            </a:r>
-          </a:p>
-          <a:p>
-            <a:r>
-              <a:rPr lang="en-US" dirty="0" err="1"/>
-              <a:t>CantidadAñadida</a:t>
-            </a:r>
-            <a:r>
-              <a:rPr lang="en-US" dirty="0"/>
-              <a:t>=</a:t>
-            </a:r>
-            <a:r>
-              <a:rPr lang="en-US" dirty="0" err="1"/>
-              <a:t>CantidadSoporta</a:t>
-            </a:r>
-            <a:r>
-              <a:rPr lang="en-US" dirty="0"/>
-              <a:t>*</a:t>
-            </a:r>
-            <a:r>
-              <a:rPr lang="en-US" dirty="0" err="1"/>
-              <a:t>PesoProducto</a:t>
-            </a:r>
-            <a:endParaRPr lang="en-US" dirty="0"/>
-          </a:p>
-          <a:p>
-            <a:r>
-              <a:rPr lang="en-US" dirty="0" err="1"/>
-              <a:t>CantidadRestante</a:t>
-            </a:r>
-            <a:r>
-              <a:rPr lang="en-US" dirty="0"/>
-              <a:t>=</a:t>
-            </a:r>
-            <a:r>
-              <a:rPr lang="en-US" dirty="0" err="1"/>
-              <a:t>CapacidadDisponible-CantidadAñadida</a:t>
-            </a:r>
-            <a:endParaRPr lang="en-US" dirty="0"/>
-          </a:p>
-          <a:p>
-            <a:r>
-              <a:rPr lang="en-US" dirty="0" err="1"/>
-              <a:t>NElementos</a:t>
-            </a:r>
-            <a:r>
-              <a:rPr lang="en-US" dirty="0"/>
-              <a:t>=</a:t>
-            </a:r>
-            <a:r>
-              <a:rPr lang="en-US" dirty="0" err="1"/>
-              <a:t>CantidadRestante</a:t>
-            </a:r>
-            <a:r>
-              <a:rPr lang="en-US" dirty="0"/>
-              <a:t>/</a:t>
-            </a:r>
-            <a:r>
-              <a:rPr lang="en-US" dirty="0" err="1"/>
-              <a:t>PesoProducto</a:t>
-            </a:r>
             <a:endParaRPr lang="en-US" dirty="0"/>
           </a:p>
         </p:txBody>
@@ -6514,7 +6206,7 @@
     </p:spTree>
     <p:extLst>
       <p:ext uri="{BB962C8B-B14F-4D97-AF65-F5344CB8AC3E}">
-        <p14:creationId xmlns:p14="http://schemas.microsoft.com/office/powerpoint/2010/main" val="1260681829"/>
+        <p14:creationId xmlns:p14="http://schemas.microsoft.com/office/powerpoint/2010/main" val="1100035871"/>
       </p:ext>
     </p:extLst>
   </p:cSld>
@@ -6546,7 +6238,7 @@
           <p:cNvPr id="2" name="Título 1">
             <a:extLst>
               <a:ext uri="{FF2B5EF4-FFF2-40B4-BE49-F238E27FC236}">
-                <a16:creationId xmlns:a16="http://schemas.microsoft.com/office/drawing/2014/main" id="{6E394DF3-5641-4DFA-B11D-1472885360BB}"/>
+                <a16:creationId xmlns:a16="http://schemas.microsoft.com/office/drawing/2014/main" id="{6FE601AD-B971-418C-B3D6-64F9F9F53168}"/>
               </a:ext>
             </a:extLst>
           </p:cNvPr>
@@ -6602,7 +6294,7 @@
           <p:cNvPr id="3" name="Marcador de contenido 2">
             <a:extLst>
               <a:ext uri="{FF2B5EF4-FFF2-40B4-BE49-F238E27FC236}">
-                <a16:creationId xmlns:a16="http://schemas.microsoft.com/office/drawing/2014/main" id="{95566D2D-3913-4B15-B722-10748B0A75E3}"/>
+                <a16:creationId xmlns:a16="http://schemas.microsoft.com/office/drawing/2014/main" id="{292C1E6C-7B7E-4E22-B587-A3BCFB37B1FD}"/>
               </a:ext>
             </a:extLst>
           </p:cNvPr>
@@ -6616,91 +6308,262 @@
         <p:spPr/>
         <p:txBody>
           <a:bodyPr>
-            <a:normAutofit/>
+            <a:normAutofit fontScale="92500"/>
           </a:bodyPr>
           <a:lstStyle/>
           <a:p>
-            <a:pPr marL="0" indent="0">
-              <a:buNone/>
-            </a:pPr>
-            <a:r>
-              <a:rPr lang="en-US" dirty="0"/>
-              <a:t>El PesoProducto2&lt;=</a:t>
-            </a:r>
-            <a:r>
-              <a:rPr lang="en-US" dirty="0" err="1"/>
-              <a:t>CapacidadDisponible</a:t>
-            </a:r>
-            <a:endParaRPr lang="es-VE" dirty="0"/>
-          </a:p>
-          <a:p>
             <a:r>
               <a:rPr lang="es-VE" dirty="0"/>
-              <a:t>Caso 2</a:t>
-            </a:r>
-            <a:r>
-              <a:rPr lang="en-US" dirty="0"/>
-              <a:t>: </a:t>
-            </a:r>
-            <a:r>
-              <a:rPr lang="es-ES" dirty="0"/>
-              <a:t>Se añaden dos productos: n productos que no soportan peso y lo restante en productos que si soportan peso hasta que llegue a completar la capacidad del contenedor</a:t>
-            </a:r>
-          </a:p>
-          <a:p>
-            <a:r>
-              <a:rPr lang="en-US" dirty="0" err="1"/>
-              <a:t>CantidadAñadida</a:t>
-            </a:r>
-            <a:r>
-              <a:rPr lang="en-US" dirty="0"/>
-              <a:t>=</a:t>
-            </a:r>
-            <a:r>
-              <a:rPr lang="en-US" dirty="0" err="1"/>
+              <a:t>Se toman de la BD los productos que soportan peso y los que no soportan peso.</a:t>
+            </a:r>
+          </a:p>
+          <a:p>
+            <a:r>
+              <a:rPr lang="en-US" dirty="0"/>
+              <a:t>Se </a:t>
+            </a:r>
+            <a:r>
+              <a:rPr lang="en-US" dirty="0" err="1"/>
+              <a:t>unen</a:t>
+            </a:r>
+            <a:r>
+              <a:rPr lang="en-US" dirty="0"/>
+              <a:t> </a:t>
+            </a:r>
+            <a:r>
+              <a:rPr lang="en-US" dirty="0" err="1"/>
+              <a:t>en</a:t>
+            </a:r>
+            <a:r>
+              <a:rPr lang="en-US" dirty="0"/>
+              <a:t> el </a:t>
+            </a:r>
+            <a:r>
+              <a:rPr lang="en-US" dirty="0" err="1"/>
+              <a:t>archivo</a:t>
+            </a:r>
+            <a:r>
+              <a:rPr lang="en-US" dirty="0"/>
+              <a:t> los </a:t>
+            </a:r>
+            <a:r>
+              <a:rPr lang="en-US" dirty="0" err="1"/>
+              <a:t>productos</a:t>
+            </a:r>
+            <a:r>
+              <a:rPr lang="en-US" dirty="0"/>
+              <a:t> que </a:t>
+            </a:r>
+            <a:r>
+              <a:rPr lang="es-VE" dirty="0"/>
+              <a:t>soportan peso y los que no soportan peso.</a:t>
+            </a:r>
+          </a:p>
+          <a:p>
+            <a:r>
+              <a:rPr lang="en-US" dirty="0"/>
+              <a:t>La </a:t>
+            </a:r>
+            <a:r>
+              <a:rPr lang="en-US" dirty="0" err="1"/>
+              <a:t>columna</a:t>
+            </a:r>
+            <a:r>
+              <a:rPr lang="en-US" dirty="0"/>
+              <a:t> </a:t>
+            </a:r>
+            <a:r>
+              <a:rPr lang="en-US" dirty="0" err="1"/>
+              <a:t>iterar</a:t>
+            </a:r>
+            <a:r>
+              <a:rPr lang="en-US" dirty="0"/>
+              <a:t> </a:t>
+            </a:r>
+            <a:r>
+              <a:rPr lang="en-US" dirty="0" err="1"/>
+              <a:t>indica</a:t>
+            </a:r>
+            <a:r>
+              <a:rPr lang="en-US" dirty="0"/>
+              <a:t> la </a:t>
+            </a:r>
+            <a:r>
+              <a:rPr lang="en-US" dirty="0" err="1"/>
+              <a:t>cantidad</a:t>
+            </a:r>
+            <a:r>
+              <a:rPr lang="en-US" dirty="0"/>
+              <a:t> de </a:t>
+            </a:r>
+            <a:r>
+              <a:rPr lang="en-US" dirty="0" err="1"/>
+              <a:t>productos</a:t>
+            </a:r>
+            <a:r>
+              <a:rPr lang="en-US" dirty="0"/>
+              <a:t> de entrada para el </a:t>
+            </a:r>
+            <a:r>
+              <a:rPr lang="en-US" dirty="0" err="1"/>
+              <a:t>pedido</a:t>
+            </a:r>
+            <a:r>
+              <a:rPr lang="en-US" dirty="0"/>
+              <a:t>.</a:t>
+            </a:r>
+          </a:p>
+          <a:p>
+            <a:r>
+              <a:rPr lang="en-US" dirty="0"/>
+              <a:t>La </a:t>
+            </a:r>
+            <a:r>
+              <a:rPr lang="en-US" dirty="0" err="1"/>
+              <a:t>cantidad</a:t>
+            </a:r>
+            <a:r>
+              <a:rPr lang="en-US" dirty="0"/>
+              <a:t> de </a:t>
+            </a:r>
+            <a:r>
+              <a:rPr lang="en-US" dirty="0" err="1"/>
+              <a:t>productos</a:t>
+            </a:r>
+            <a:r>
+              <a:rPr lang="en-US" dirty="0"/>
+              <a:t> que </a:t>
+            </a:r>
+            <a:r>
+              <a:rPr lang="en-US" dirty="0" err="1"/>
+              <a:t>soportan</a:t>
+            </a:r>
+            <a:r>
+              <a:rPr lang="en-US" dirty="0"/>
+              <a:t> y no </a:t>
+            </a:r>
+            <a:r>
+              <a:rPr lang="en-US" dirty="0" err="1"/>
+              <a:t>soportan</a:t>
+            </a:r>
+            <a:r>
+              <a:rPr lang="en-US" dirty="0"/>
+              <a:t> peso se </a:t>
+            </a:r>
+            <a:r>
+              <a:rPr lang="en-US" dirty="0" err="1"/>
+              <a:t>puede</a:t>
+            </a:r>
+            <a:r>
+              <a:rPr lang="en-US" dirty="0"/>
+              <a:t> </a:t>
+            </a:r>
+            <a:r>
+              <a:rPr lang="en-US" dirty="0" err="1"/>
+              <a:t>cambiar</a:t>
+            </a:r>
+            <a:r>
+              <a:rPr lang="en-US" dirty="0"/>
+              <a:t> </a:t>
+            </a:r>
+            <a:r>
+              <a:rPr lang="en-US" dirty="0" err="1"/>
+              <a:t>en</a:t>
+            </a:r>
+            <a:r>
+              <a:rPr lang="en-US" dirty="0"/>
+              <a:t> las variables </a:t>
+            </a:r>
+            <a:r>
+              <a:rPr lang="en-US" dirty="0" err="1"/>
+              <a:t>globales</a:t>
+            </a:r>
+            <a:r>
+              <a:rPr lang="en-US" dirty="0"/>
+              <a:t> de </a:t>
+            </a:r>
+            <a:r>
+              <a:rPr lang="en-US" dirty="0" err="1"/>
+              <a:t>Katalon</a:t>
+            </a:r>
+            <a:r>
+              <a:rPr lang="en-US" dirty="0"/>
+              <a:t>(</a:t>
+            </a:r>
+            <a:r>
+              <a:rPr lang="en-US" i="1" dirty="0" err="1"/>
+              <a:t>CantidadSoporta</a:t>
+            </a:r>
+            <a:r>
+              <a:rPr lang="en-US" i="1" dirty="0"/>
+              <a:t>, </a:t>
+            </a:r>
+            <a:r>
+              <a:rPr lang="en-US" i="1" dirty="0" err="1"/>
               <a:t>CantidadNoSoporta</a:t>
             </a:r>
             <a:r>
               <a:rPr lang="en-US" dirty="0"/>
-              <a:t>*PesoProducto2</a:t>
-            </a:r>
-          </a:p>
-          <a:p>
-            <a:r>
-              <a:rPr lang="en-US" dirty="0" err="1"/>
-              <a:t>CantidadRestante</a:t>
-            </a:r>
-            <a:r>
-              <a:rPr lang="en-US" dirty="0"/>
-              <a:t>=</a:t>
-            </a:r>
-            <a:r>
-              <a:rPr lang="en-US" dirty="0" err="1"/>
-              <a:t>CapacidadDisponible-CantidadAñadida</a:t>
-            </a:r>
-            <a:endParaRPr lang="en-US" dirty="0"/>
-          </a:p>
-          <a:p>
-            <a:r>
-              <a:rPr lang="en-US" dirty="0" err="1"/>
-              <a:t>NElementos</a:t>
-            </a:r>
-            <a:r>
-              <a:rPr lang="en-US" dirty="0"/>
-              <a:t>=</a:t>
-            </a:r>
-            <a:r>
-              <a:rPr lang="en-US" dirty="0" err="1"/>
-              <a:t>CantidadRestante</a:t>
-            </a:r>
-            <a:r>
-              <a:rPr lang="en-US" dirty="0"/>
-              <a:t>/</a:t>
-            </a:r>
-            <a:r>
-              <a:rPr lang="en-US" dirty="0" err="1"/>
-              <a:t>PesoProducto</a:t>
-            </a:r>
+              <a:t>), el </a:t>
+            </a:r>
+            <a:r>
+              <a:rPr lang="en-US" dirty="0" err="1"/>
+              <a:t>cual</a:t>
+            </a:r>
+            <a:r>
+              <a:rPr lang="en-US" dirty="0"/>
+              <a:t> no debe ser mayor de 20 (</a:t>
+            </a:r>
+            <a:r>
+              <a:rPr lang="en-US" dirty="0" err="1"/>
+              <a:t>este</a:t>
+            </a:r>
+            <a:r>
+              <a:rPr lang="en-US" dirty="0"/>
+              <a:t> es el valor </a:t>
+            </a:r>
+            <a:r>
+              <a:rPr lang="en-US" dirty="0" err="1"/>
+              <a:t>minimo</a:t>
+            </a:r>
+            <a:r>
+              <a:rPr lang="en-US" dirty="0"/>
+              <a:t> </a:t>
+            </a:r>
+            <a:r>
+              <a:rPr lang="en-US" dirty="0" err="1"/>
+              <a:t>necesario</a:t>
+            </a:r>
+            <a:r>
+              <a:rPr lang="en-US" dirty="0"/>
+              <a:t> para </a:t>
+            </a:r>
+            <a:r>
+              <a:rPr lang="en-US" dirty="0" err="1"/>
+              <a:t>empezar</a:t>
+            </a:r>
+            <a:r>
+              <a:rPr lang="en-US" dirty="0"/>
+              <a:t> a </a:t>
+            </a:r>
+            <a:r>
+              <a:rPr lang="en-US" dirty="0" err="1"/>
+              <a:t>llenar</a:t>
+            </a:r>
+            <a:r>
+              <a:rPr lang="en-US" dirty="0"/>
+              <a:t> el </a:t>
+            </a:r>
+            <a:r>
+              <a:rPr lang="en-US" dirty="0" err="1"/>
+              <a:t>contenedor</a:t>
+            </a:r>
+            <a:r>
+              <a:rPr lang="en-US" dirty="0"/>
+              <a:t>).</a:t>
+            </a:r>
+          </a:p>
+          <a:p>
             <a:endParaRPr lang="en-US" dirty="0"/>
           </a:p>
         </p:txBody>
@@ -6708,7 +6571,7 @@
     </p:spTree>
     <p:extLst>
       <p:ext uri="{BB962C8B-B14F-4D97-AF65-F5344CB8AC3E}">
-        <p14:creationId xmlns:p14="http://schemas.microsoft.com/office/powerpoint/2010/main" val="1370410769"/>
+        <p14:creationId xmlns:p14="http://schemas.microsoft.com/office/powerpoint/2010/main" val="2496584847"/>
       </p:ext>
     </p:extLst>
   </p:cSld>
@@ -6740,6 +6603,403 @@
           <p:cNvPr id="2" name="Título 1">
             <a:extLst>
               <a:ext uri="{FF2B5EF4-FFF2-40B4-BE49-F238E27FC236}">
+                <a16:creationId xmlns:a16="http://schemas.microsoft.com/office/drawing/2014/main" id="{6E394DF3-5641-4DFA-B11D-1472885360BB}"/>
+              </a:ext>
+            </a:extLst>
+          </p:cNvPr>
+          <p:cNvSpPr>
+            <a:spLocks noGrp="1"/>
+          </p:cNvSpPr>
+          <p:nvPr>
+            <p:ph type="title"/>
+          </p:nvPr>
+        </p:nvSpPr>
+        <p:spPr/>
+        <p:txBody>
+          <a:bodyPr/>
+          <a:lstStyle/>
+          <a:p>
+            <a:r>
+              <a:rPr lang="en-US" dirty="0" err="1"/>
+              <a:t>Consideraciónes</a:t>
+            </a:r>
+            <a:r>
+              <a:rPr lang="en-US" dirty="0"/>
+              <a:t> </a:t>
+            </a:r>
+            <a:r>
+              <a:rPr lang="en-US" dirty="0" err="1"/>
+              <a:t>en</a:t>
+            </a:r>
+            <a:r>
+              <a:rPr lang="en-US" dirty="0"/>
+              <a:t> </a:t>
+            </a:r>
+            <a:r>
+              <a:rPr lang="en-US" dirty="0" err="1"/>
+              <a:t>Crear</a:t>
+            </a:r>
+            <a:r>
+              <a:rPr lang="en-US" dirty="0"/>
+              <a:t> </a:t>
+            </a:r>
+            <a:r>
+              <a:rPr lang="en-US" dirty="0" err="1"/>
+              <a:t>Pedidos</a:t>
+            </a:r>
+            <a:r>
+              <a:rPr lang="en-US" dirty="0"/>
+              <a:t> 40 pies</a:t>
+            </a:r>
+          </a:p>
+        </p:txBody>
+      </p:sp>
+      <p:sp>
+        <p:nvSpPr>
+          <p:cNvPr id="3" name="Marcador de contenido 2">
+            <a:extLst>
+              <a:ext uri="{FF2B5EF4-FFF2-40B4-BE49-F238E27FC236}">
+                <a16:creationId xmlns:a16="http://schemas.microsoft.com/office/drawing/2014/main" id="{95566D2D-3913-4B15-B722-10748B0A75E3}"/>
+              </a:ext>
+            </a:extLst>
+          </p:cNvPr>
+          <p:cNvSpPr>
+            <a:spLocks noGrp="1"/>
+          </p:cNvSpPr>
+          <p:nvPr>
+            <p:ph idx="1"/>
+          </p:nvPr>
+        </p:nvSpPr>
+        <p:spPr/>
+        <p:txBody>
+          <a:bodyPr>
+            <a:normAutofit/>
+          </a:bodyPr>
+          <a:lstStyle/>
+          <a:p>
+            <a:pPr marL="0" indent="0">
+              <a:buNone/>
+            </a:pPr>
+            <a:r>
+              <a:rPr lang="en-US" dirty="0"/>
+              <a:t>El </a:t>
+            </a:r>
+            <a:r>
+              <a:rPr lang="en-US" dirty="0" err="1"/>
+              <a:t>PesoProducto</a:t>
+            </a:r>
+            <a:r>
+              <a:rPr lang="en-US" dirty="0"/>
+              <a:t>&lt;=</a:t>
+            </a:r>
+            <a:r>
+              <a:rPr lang="en-US" dirty="0" err="1"/>
+              <a:t>CapacidadDisponible</a:t>
+            </a:r>
+            <a:endParaRPr lang="es-VE" dirty="0"/>
+          </a:p>
+          <a:p>
+            <a:r>
+              <a:rPr lang="es-VE" dirty="0"/>
+              <a:t>Caso 1: </a:t>
+            </a:r>
+            <a:r>
+              <a:rPr lang="es-ES" dirty="0"/>
+              <a:t>Se añade un solo producto que soporta peso hasta que llene la capacidad de contenedor</a:t>
+            </a:r>
+          </a:p>
+          <a:p>
+            <a:r>
+              <a:rPr lang="en-US" dirty="0" err="1"/>
+              <a:t>CantidadAñadida</a:t>
+            </a:r>
+            <a:r>
+              <a:rPr lang="en-US" dirty="0"/>
+              <a:t>=</a:t>
+            </a:r>
+            <a:r>
+              <a:rPr lang="en-US" dirty="0" err="1"/>
+              <a:t>CantidadSoporta</a:t>
+            </a:r>
+            <a:r>
+              <a:rPr lang="en-US" dirty="0"/>
+              <a:t>*</a:t>
+            </a:r>
+            <a:r>
+              <a:rPr lang="en-US" dirty="0" err="1"/>
+              <a:t>PesoProducto</a:t>
+            </a:r>
+            <a:endParaRPr lang="en-US" dirty="0"/>
+          </a:p>
+          <a:p>
+            <a:r>
+              <a:rPr lang="en-US" dirty="0" err="1"/>
+              <a:t>CantidadRestante</a:t>
+            </a:r>
+            <a:r>
+              <a:rPr lang="en-US" dirty="0"/>
+              <a:t>=</a:t>
+            </a:r>
+            <a:r>
+              <a:rPr lang="en-US" dirty="0" err="1"/>
+              <a:t>CapacidadDisponible-CantidadAñadida</a:t>
+            </a:r>
+            <a:endParaRPr lang="en-US" dirty="0"/>
+          </a:p>
+          <a:p>
+            <a:r>
+              <a:rPr lang="en-US" dirty="0" err="1"/>
+              <a:t>NElementos</a:t>
+            </a:r>
+            <a:r>
+              <a:rPr lang="en-US" dirty="0"/>
+              <a:t>=</a:t>
+            </a:r>
+            <a:r>
+              <a:rPr lang="en-US" dirty="0" err="1"/>
+              <a:t>CantidadRestante</a:t>
+            </a:r>
+            <a:r>
+              <a:rPr lang="en-US" dirty="0"/>
+              <a:t>/</a:t>
+            </a:r>
+            <a:r>
+              <a:rPr lang="en-US" dirty="0" err="1"/>
+              <a:t>PesoProducto</a:t>
+            </a:r>
+            <a:endParaRPr lang="en-US" dirty="0"/>
+          </a:p>
+        </p:txBody>
+      </p:sp>
+    </p:spTree>
+    <p:extLst>
+      <p:ext uri="{BB962C8B-B14F-4D97-AF65-F5344CB8AC3E}">
+        <p14:creationId xmlns:p14="http://schemas.microsoft.com/office/powerpoint/2010/main" val="1260681829"/>
+      </p:ext>
+    </p:extLst>
+  </p:cSld>
+  <p:clrMapOvr>
+    <a:masterClrMapping/>
+  </p:clrMapOvr>
+</p:sld>
+</file>
+
+<file path=ppt/slides/slide14.xml><?xml version="1.0" encoding="utf-8"?>
+<p:sld xmlns:a="http://schemas.openxmlformats.org/drawingml/2006/main" xmlns:r="http://schemas.openxmlformats.org/officeDocument/2006/relationships" xmlns:p="http://schemas.openxmlformats.org/presentationml/2006/main">
+  <p:cSld>
+    <p:spTree>
+      <p:nvGrpSpPr>
+        <p:cNvPr id="1" name=""/>
+        <p:cNvGrpSpPr/>
+        <p:nvPr/>
+      </p:nvGrpSpPr>
+      <p:grpSpPr>
+        <a:xfrm>
+          <a:off x="0" y="0"/>
+          <a:ext cx="0" cy="0"/>
+          <a:chOff x="0" y="0"/>
+          <a:chExt cx="0" cy="0"/>
+        </a:xfrm>
+      </p:grpSpPr>
+      <p:sp>
+        <p:nvSpPr>
+          <p:cNvPr id="2" name="Título 1">
+            <a:extLst>
+              <a:ext uri="{FF2B5EF4-FFF2-40B4-BE49-F238E27FC236}">
+                <a16:creationId xmlns:a16="http://schemas.microsoft.com/office/drawing/2014/main" id="{6E394DF3-5641-4DFA-B11D-1472885360BB}"/>
+              </a:ext>
+            </a:extLst>
+          </p:cNvPr>
+          <p:cNvSpPr>
+            <a:spLocks noGrp="1"/>
+          </p:cNvSpPr>
+          <p:nvPr>
+            <p:ph type="title"/>
+          </p:nvPr>
+        </p:nvSpPr>
+        <p:spPr/>
+        <p:txBody>
+          <a:bodyPr/>
+          <a:lstStyle/>
+          <a:p>
+            <a:r>
+              <a:rPr lang="en-US" dirty="0" err="1"/>
+              <a:t>Consideraciónes</a:t>
+            </a:r>
+            <a:r>
+              <a:rPr lang="en-US" dirty="0"/>
+              <a:t> </a:t>
+            </a:r>
+            <a:r>
+              <a:rPr lang="en-US" dirty="0" err="1"/>
+              <a:t>en</a:t>
+            </a:r>
+            <a:r>
+              <a:rPr lang="en-US" dirty="0"/>
+              <a:t> </a:t>
+            </a:r>
+            <a:r>
+              <a:rPr lang="en-US" dirty="0" err="1"/>
+              <a:t>Crear</a:t>
+            </a:r>
+            <a:r>
+              <a:rPr lang="en-US" dirty="0"/>
+              <a:t> </a:t>
+            </a:r>
+            <a:r>
+              <a:rPr lang="en-US" dirty="0" err="1"/>
+              <a:t>Pedidos</a:t>
+            </a:r>
+            <a:r>
+              <a:rPr lang="en-US" dirty="0"/>
+              <a:t> 40 pies</a:t>
+            </a:r>
+          </a:p>
+        </p:txBody>
+      </p:sp>
+      <p:sp>
+        <p:nvSpPr>
+          <p:cNvPr id="3" name="Marcador de contenido 2">
+            <a:extLst>
+              <a:ext uri="{FF2B5EF4-FFF2-40B4-BE49-F238E27FC236}">
+                <a16:creationId xmlns:a16="http://schemas.microsoft.com/office/drawing/2014/main" id="{95566D2D-3913-4B15-B722-10748B0A75E3}"/>
+              </a:ext>
+            </a:extLst>
+          </p:cNvPr>
+          <p:cNvSpPr>
+            <a:spLocks noGrp="1"/>
+          </p:cNvSpPr>
+          <p:nvPr>
+            <p:ph idx="1"/>
+          </p:nvPr>
+        </p:nvSpPr>
+        <p:spPr/>
+        <p:txBody>
+          <a:bodyPr>
+            <a:normAutofit/>
+          </a:bodyPr>
+          <a:lstStyle/>
+          <a:p>
+            <a:pPr marL="0" indent="0">
+              <a:buNone/>
+            </a:pPr>
+            <a:r>
+              <a:rPr lang="en-US" dirty="0"/>
+              <a:t>El PesoProducto2&lt;=</a:t>
+            </a:r>
+            <a:r>
+              <a:rPr lang="en-US" dirty="0" err="1"/>
+              <a:t>CapacidadDisponible</a:t>
+            </a:r>
+            <a:endParaRPr lang="es-VE" dirty="0"/>
+          </a:p>
+          <a:p>
+            <a:r>
+              <a:rPr lang="es-VE" dirty="0"/>
+              <a:t>Caso 2</a:t>
+            </a:r>
+            <a:r>
+              <a:rPr lang="en-US" dirty="0"/>
+              <a:t>: </a:t>
+            </a:r>
+            <a:r>
+              <a:rPr lang="es-ES" dirty="0"/>
+              <a:t>Se añaden dos productos: n productos que no soportan peso y lo restante en productos que si soportan peso hasta que llegue a completar la capacidad del contenedor</a:t>
+            </a:r>
+          </a:p>
+          <a:p>
+            <a:r>
+              <a:rPr lang="en-US" dirty="0" err="1"/>
+              <a:t>CantidadAñadida</a:t>
+            </a:r>
+            <a:r>
+              <a:rPr lang="en-US" dirty="0"/>
+              <a:t>=</a:t>
+            </a:r>
+            <a:r>
+              <a:rPr lang="en-US" dirty="0" err="1"/>
+              <a:t>CantidadNoSoporta</a:t>
+            </a:r>
+            <a:r>
+              <a:rPr lang="en-US" dirty="0"/>
+              <a:t>*PesoProducto2</a:t>
+            </a:r>
+          </a:p>
+          <a:p>
+            <a:r>
+              <a:rPr lang="en-US" dirty="0" err="1"/>
+              <a:t>CantidadRestante</a:t>
+            </a:r>
+            <a:r>
+              <a:rPr lang="en-US" dirty="0"/>
+              <a:t>=</a:t>
+            </a:r>
+            <a:r>
+              <a:rPr lang="en-US" dirty="0" err="1"/>
+              <a:t>CapacidadDisponible-CantidadAñadida</a:t>
+            </a:r>
+            <a:endParaRPr lang="en-US" dirty="0"/>
+          </a:p>
+          <a:p>
+            <a:r>
+              <a:rPr lang="en-US" dirty="0" err="1"/>
+              <a:t>NElementos</a:t>
+            </a:r>
+            <a:r>
+              <a:rPr lang="en-US" dirty="0"/>
+              <a:t>=</a:t>
+            </a:r>
+            <a:r>
+              <a:rPr lang="en-US" dirty="0" err="1"/>
+              <a:t>CantidadRestante</a:t>
+            </a:r>
+            <a:r>
+              <a:rPr lang="en-US" dirty="0"/>
+              <a:t>/</a:t>
+            </a:r>
+            <a:r>
+              <a:rPr lang="en-US" dirty="0" err="1"/>
+              <a:t>PesoProducto</a:t>
+            </a:r>
+            <a:endParaRPr lang="en-US" dirty="0"/>
+          </a:p>
+        </p:txBody>
+      </p:sp>
+    </p:spTree>
+    <p:extLst>
+      <p:ext uri="{BB962C8B-B14F-4D97-AF65-F5344CB8AC3E}">
+        <p14:creationId xmlns:p14="http://schemas.microsoft.com/office/powerpoint/2010/main" val="1370410769"/>
+      </p:ext>
+    </p:extLst>
+  </p:cSld>
+  <p:clrMapOvr>
+    <a:masterClrMapping/>
+  </p:clrMapOvr>
+</p:sld>
+</file>
+
+<file path=ppt/slides/slide15.xml><?xml version="1.0" encoding="utf-8"?>
+<p:sld xmlns:a="http://schemas.openxmlformats.org/drawingml/2006/main" xmlns:r="http://schemas.openxmlformats.org/officeDocument/2006/relationships" xmlns:p="http://schemas.openxmlformats.org/presentationml/2006/main">
+  <p:cSld>
+    <p:spTree>
+      <p:nvGrpSpPr>
+        <p:cNvPr id="1" name=""/>
+        <p:cNvGrpSpPr/>
+        <p:nvPr/>
+      </p:nvGrpSpPr>
+      <p:grpSpPr>
+        <a:xfrm>
+          <a:off x="0" y="0"/>
+          <a:ext cx="0" cy="0"/>
+          <a:chOff x="0" y="0"/>
+          <a:chExt cx="0" cy="0"/>
+        </a:xfrm>
+      </p:grpSpPr>
+      <p:sp>
+        <p:nvSpPr>
+          <p:cNvPr id="2" name="Título 1">
+            <a:extLst>
+              <a:ext uri="{FF2B5EF4-FFF2-40B4-BE49-F238E27FC236}">
                 <a16:creationId xmlns:a16="http://schemas.microsoft.com/office/drawing/2014/main" id="{53A6D3BA-9343-43D7-B9A2-D7D80AFE8C39}"/>
               </a:ext>
             </a:extLst>
@@ -7256,7 +7516,7 @@
 </p:sld>
 </file>
 
-<file path=ppt/slides/slide14.xml><?xml version="1.0" encoding="utf-8"?>
+<file path=ppt/slides/slide16.xml><?xml version="1.0" encoding="utf-8"?>
 <p:sld xmlns:a="http://schemas.openxmlformats.org/drawingml/2006/main" xmlns:r="http://schemas.openxmlformats.org/officeDocument/2006/relationships" xmlns:p="http://schemas.openxmlformats.org/presentationml/2006/main">
   <p:cSld>
     <p:spTree>
@@ -7321,7 +7581,7 @@
 </p:sld>
 </file>
 
-<file path=ppt/slides/slide15.xml><?xml version="1.0" encoding="utf-8"?>
+<file path=ppt/slides/slide17.xml><?xml version="1.0" encoding="utf-8"?>
 <p:sld xmlns:a="http://schemas.openxmlformats.org/drawingml/2006/main" xmlns:r="http://schemas.openxmlformats.org/officeDocument/2006/relationships" xmlns:p="http://schemas.openxmlformats.org/presentationml/2006/main">
   <p:cSld>
     <p:spTree>
@@ -7587,6 +7847,449 @@
     <p:extLst>
       <p:ext uri="{BB962C8B-B14F-4D97-AF65-F5344CB8AC3E}">
         <p14:creationId xmlns:p14="http://schemas.microsoft.com/office/powerpoint/2010/main" val="3180910444"/>
+      </p:ext>
+    </p:extLst>
+  </p:cSld>
+  <p:clrMapOvr>
+    <a:masterClrMapping/>
+  </p:clrMapOvr>
+</p:sld>
+</file>
+
+<file path=ppt/slides/slide18.xml><?xml version="1.0" encoding="utf-8"?>
+<p:sld xmlns:a="http://schemas.openxmlformats.org/drawingml/2006/main" xmlns:r="http://schemas.openxmlformats.org/officeDocument/2006/relationships" xmlns:p="http://schemas.openxmlformats.org/presentationml/2006/main">
+  <p:cSld>
+    <p:spTree>
+      <p:nvGrpSpPr>
+        <p:cNvPr id="1" name=""/>
+        <p:cNvGrpSpPr/>
+        <p:nvPr/>
+      </p:nvGrpSpPr>
+      <p:grpSpPr>
+        <a:xfrm>
+          <a:off x="0" y="0"/>
+          <a:ext cx="0" cy="0"/>
+          <a:chOff x="0" y="0"/>
+          <a:chExt cx="0" cy="0"/>
+        </a:xfrm>
+      </p:grpSpPr>
+      <p:sp>
+        <p:nvSpPr>
+          <p:cNvPr id="2" name="Título 1">
+            <a:extLst>
+              <a:ext uri="{FF2B5EF4-FFF2-40B4-BE49-F238E27FC236}">
+                <a16:creationId xmlns:a16="http://schemas.microsoft.com/office/drawing/2014/main" id="{3DD75909-B99F-40EC-B4C9-5C11F7F0F5BD}"/>
+              </a:ext>
+            </a:extLst>
+          </p:cNvPr>
+          <p:cNvSpPr>
+            <a:spLocks noGrp="1"/>
+          </p:cNvSpPr>
+          <p:nvPr>
+            <p:ph type="title"/>
+          </p:nvPr>
+        </p:nvSpPr>
+        <p:spPr/>
+        <p:txBody>
+          <a:bodyPr/>
+          <a:lstStyle/>
+          <a:p>
+            <a:r>
+              <a:rPr lang="en-US" dirty="0"/>
+              <a:t>Remover </a:t>
+            </a:r>
+            <a:r>
+              <a:rPr lang="en-US" dirty="0" err="1"/>
+              <a:t>archivos</a:t>
+            </a:r>
+            <a:endParaRPr lang="en-US" dirty="0"/>
+          </a:p>
+        </p:txBody>
+      </p:sp>
+      <p:sp>
+        <p:nvSpPr>
+          <p:cNvPr id="3" name="Marcador de contenido 2">
+            <a:extLst>
+              <a:ext uri="{FF2B5EF4-FFF2-40B4-BE49-F238E27FC236}">
+                <a16:creationId xmlns:a16="http://schemas.microsoft.com/office/drawing/2014/main" id="{24217FC6-5EFC-4A38-95C7-D6962FEB15C4}"/>
+              </a:ext>
+            </a:extLst>
+          </p:cNvPr>
+          <p:cNvSpPr>
+            <a:spLocks noGrp="1"/>
+          </p:cNvSpPr>
+          <p:nvPr>
+            <p:ph idx="1"/>
+          </p:nvPr>
+        </p:nvSpPr>
+        <p:spPr>
+          <a:xfrm>
+            <a:off x="1295401" y="2556932"/>
+            <a:ext cx="9601196" cy="3504432"/>
+          </a:xfrm>
+        </p:spPr>
+        <p:txBody>
+          <a:bodyPr>
+            <a:normAutofit fontScale="55000" lnSpcReduction="20000"/>
+          </a:bodyPr>
+          <a:lstStyle/>
+          <a:p>
+            <a:r>
+              <a:rPr lang="en-US" dirty="0" err="1"/>
+              <a:t>os.remove</a:t>
+            </a:r>
+            <a:r>
+              <a:rPr lang="en-US" dirty="0"/>
+              <a:t>('</a:t>
+            </a:r>
+            <a:r>
+              <a:rPr lang="en-US" dirty="0" err="1"/>
+              <a:t>Pedidos</a:t>
+            </a:r>
+            <a:r>
+              <a:rPr lang="en-US" dirty="0"/>
+              <a:t>/</a:t>
+            </a:r>
+            <a:r>
+              <a:rPr lang="en-US" dirty="0" err="1"/>
+              <a:t>DataExcel</a:t>
+            </a:r>
+            <a:r>
+              <a:rPr lang="en-US" dirty="0"/>
+              <a:t>/Pedidos_Creados_Katalon.xlsx')</a:t>
+            </a:r>
+          </a:p>
+          <a:p>
+            <a:r>
+              <a:rPr lang="en-US" dirty="0" err="1"/>
+              <a:t>os.remove</a:t>
+            </a:r>
+            <a:r>
+              <a:rPr lang="en-US" dirty="0"/>
+              <a:t>('</a:t>
+            </a:r>
+            <a:r>
+              <a:rPr lang="en-US" dirty="0" err="1"/>
+              <a:t>Pedidos</a:t>
+            </a:r>
+            <a:r>
+              <a:rPr lang="en-US" dirty="0"/>
+              <a:t>/</a:t>
+            </a:r>
+            <a:r>
+              <a:rPr lang="en-US" dirty="0" err="1"/>
+              <a:t>DataExcel</a:t>
+            </a:r>
+            <a:r>
+              <a:rPr lang="en-US" dirty="0"/>
+              <a:t>/AprobacionesPedidos.xlsx')</a:t>
+            </a:r>
+          </a:p>
+          <a:p>
+            <a:r>
+              <a:rPr lang="en-US" dirty="0" err="1"/>
+              <a:t>os.remove</a:t>
+            </a:r>
+            <a:r>
+              <a:rPr lang="en-US" dirty="0"/>
+              <a:t>('</a:t>
+            </a:r>
+            <a:r>
+              <a:rPr lang="en-US" dirty="0" err="1"/>
+              <a:t>Pedidos</a:t>
+            </a:r>
+            <a:r>
+              <a:rPr lang="en-US" dirty="0"/>
+              <a:t>/</a:t>
+            </a:r>
+            <a:r>
+              <a:rPr lang="en-US" dirty="0" err="1"/>
+              <a:t>DataExcel</a:t>
+            </a:r>
+            <a:r>
+              <a:rPr lang="en-US" dirty="0"/>
+              <a:t>/Cargos_Logisticos.xlsx')</a:t>
+            </a:r>
+          </a:p>
+          <a:p>
+            <a:r>
+              <a:rPr lang="en-US" dirty="0" err="1"/>
+              <a:t>os.remove</a:t>
+            </a:r>
+            <a:r>
+              <a:rPr lang="en-US" dirty="0"/>
+              <a:t>('</a:t>
+            </a:r>
+            <a:r>
+              <a:rPr lang="en-US" dirty="0" err="1"/>
+              <a:t>Pedidos</a:t>
+            </a:r>
+            <a:r>
+              <a:rPr lang="en-US" dirty="0"/>
+              <a:t>/</a:t>
+            </a:r>
+            <a:r>
+              <a:rPr lang="en-US" dirty="0" err="1"/>
+              <a:t>DataExcel</a:t>
+            </a:r>
+            <a:r>
+              <a:rPr lang="en-US" dirty="0"/>
+              <a:t>/Crear_Pedido20pies.xlsx')</a:t>
+            </a:r>
+          </a:p>
+          <a:p>
+            <a:r>
+              <a:rPr lang="en-US" dirty="0" err="1"/>
+              <a:t>os.remove</a:t>
+            </a:r>
+            <a:r>
+              <a:rPr lang="en-US" dirty="0"/>
+              <a:t>('</a:t>
+            </a:r>
+            <a:r>
+              <a:rPr lang="en-US" dirty="0" err="1"/>
+              <a:t>Pedidos</a:t>
+            </a:r>
+            <a:r>
+              <a:rPr lang="en-US" dirty="0"/>
+              <a:t>/</a:t>
+            </a:r>
+            <a:r>
+              <a:rPr lang="en-US" dirty="0" err="1"/>
+              <a:t>DataExcel</a:t>
+            </a:r>
+            <a:r>
+              <a:rPr lang="en-US" dirty="0"/>
+              <a:t>/Despacho_20pies.xlsx')</a:t>
+            </a:r>
+          </a:p>
+          <a:p>
+            <a:r>
+              <a:rPr lang="en-US" dirty="0" err="1"/>
+              <a:t>os.remove</a:t>
+            </a:r>
+            <a:r>
+              <a:rPr lang="en-US" dirty="0"/>
+              <a:t>('</a:t>
+            </a:r>
+            <a:r>
+              <a:rPr lang="en-US" dirty="0" err="1"/>
+              <a:t>Pedidos</a:t>
+            </a:r>
+            <a:r>
+              <a:rPr lang="en-US" dirty="0"/>
+              <a:t>/</a:t>
+            </a:r>
+            <a:r>
+              <a:rPr lang="en-US" dirty="0" err="1"/>
+              <a:t>DataExcel</a:t>
+            </a:r>
+            <a:r>
+              <a:rPr lang="en-US" dirty="0"/>
+              <a:t>/Orden_Produccion.xlsx')</a:t>
+            </a:r>
+          </a:p>
+          <a:p>
+            <a:r>
+              <a:rPr lang="en-US" dirty="0" err="1"/>
+              <a:t>os.remove</a:t>
+            </a:r>
+            <a:r>
+              <a:rPr lang="en-US" dirty="0"/>
+              <a:t>('</a:t>
+            </a:r>
+            <a:r>
+              <a:rPr lang="en-US" dirty="0" err="1"/>
+              <a:t>Pedidos</a:t>
+            </a:r>
+            <a:r>
+              <a:rPr lang="en-US" dirty="0"/>
+              <a:t>/</a:t>
+            </a:r>
+            <a:r>
+              <a:rPr lang="en-US" dirty="0" err="1"/>
+              <a:t>DataExcel</a:t>
+            </a:r>
+            <a:r>
+              <a:rPr lang="en-US" dirty="0"/>
+              <a:t>/Inventario.xlsx')</a:t>
+            </a:r>
+          </a:p>
+          <a:p>
+            <a:r>
+              <a:rPr lang="en-US" dirty="0" err="1"/>
+              <a:t>os.remove</a:t>
+            </a:r>
+            <a:r>
+              <a:rPr lang="en-US" dirty="0"/>
+              <a:t>('</a:t>
+            </a:r>
+            <a:r>
+              <a:rPr lang="en-US" dirty="0" err="1"/>
+              <a:t>Pedidos</a:t>
+            </a:r>
+            <a:r>
+              <a:rPr lang="en-US" dirty="0"/>
+              <a:t>/</a:t>
+            </a:r>
+            <a:r>
+              <a:rPr lang="en-US" dirty="0" err="1"/>
+              <a:t>DataExcel</a:t>
+            </a:r>
+            <a:r>
+              <a:rPr lang="en-US" dirty="0"/>
+              <a:t>/Crear_Pedido40pies.xlsx')</a:t>
+            </a:r>
+          </a:p>
+          <a:p>
+            <a:r>
+              <a:rPr lang="en-US" dirty="0" err="1"/>
+              <a:t>os.remove</a:t>
+            </a:r>
+            <a:r>
+              <a:rPr lang="en-US" dirty="0"/>
+              <a:t>('</a:t>
+            </a:r>
+            <a:r>
+              <a:rPr lang="en-US" dirty="0" err="1"/>
+              <a:t>Pedidos</a:t>
+            </a:r>
+            <a:r>
+              <a:rPr lang="en-US" dirty="0"/>
+              <a:t>/</a:t>
+            </a:r>
+            <a:r>
+              <a:rPr lang="en-US" dirty="0" err="1"/>
+              <a:t>DataExcel</a:t>
+            </a:r>
+            <a:r>
+              <a:rPr lang="en-US" dirty="0"/>
+              <a:t>/</a:t>
+            </a:r>
+            <a:r>
+              <a:rPr lang="en-US" dirty="0" err="1"/>
+              <a:t>Inventario</a:t>
+            </a:r>
+            <a:r>
+              <a:rPr lang="en-US" dirty="0"/>
+              <a:t>/LogReporteInventarioKatalon.xlsx')</a:t>
+            </a:r>
+          </a:p>
+          <a:p>
+            <a:r>
+              <a:rPr lang="en-US" dirty="0" err="1"/>
+              <a:t>os.remove</a:t>
+            </a:r>
+            <a:r>
+              <a:rPr lang="en-US" dirty="0"/>
+              <a:t>('</a:t>
+            </a:r>
+            <a:r>
+              <a:rPr lang="en-US" dirty="0" err="1"/>
+              <a:t>Pedidos</a:t>
+            </a:r>
+            <a:r>
+              <a:rPr lang="en-US" dirty="0"/>
+              <a:t>/</a:t>
+            </a:r>
+            <a:r>
+              <a:rPr lang="en-US" dirty="0" err="1"/>
+              <a:t>DataExcel</a:t>
+            </a:r>
+            <a:r>
+              <a:rPr lang="en-US" dirty="0"/>
+              <a:t>/</a:t>
+            </a:r>
+            <a:r>
+              <a:rPr lang="en-US" dirty="0" err="1"/>
+              <a:t>Inventario</a:t>
+            </a:r>
+            <a:r>
+              <a:rPr lang="en-US" dirty="0"/>
+              <a:t>/MovimientoDeInventario.xlsx')</a:t>
+            </a:r>
+          </a:p>
+          <a:p>
+            <a:r>
+              <a:rPr lang="en-US" dirty="0" err="1"/>
+              <a:t>os.remove</a:t>
+            </a:r>
+            <a:r>
+              <a:rPr lang="en-US" dirty="0"/>
+              <a:t>('</a:t>
+            </a:r>
+            <a:r>
+              <a:rPr lang="en-US" dirty="0" err="1"/>
+              <a:t>Pedidos</a:t>
+            </a:r>
+            <a:r>
+              <a:rPr lang="en-US" dirty="0"/>
+              <a:t>/</a:t>
+            </a:r>
+            <a:r>
+              <a:rPr lang="en-US" dirty="0" err="1"/>
+              <a:t>DataExcel</a:t>
+            </a:r>
+            <a:r>
+              <a:rPr lang="en-US" dirty="0"/>
+              <a:t>/</a:t>
+            </a:r>
+            <a:r>
+              <a:rPr lang="en-US" dirty="0" err="1"/>
+              <a:t>Inventario</a:t>
+            </a:r>
+            <a:r>
+              <a:rPr lang="en-US" dirty="0"/>
+              <a:t>/ProductoAlmacen.xlsx')</a:t>
+            </a:r>
+          </a:p>
+          <a:p>
+            <a:r>
+              <a:rPr lang="en-US" dirty="0" err="1"/>
+              <a:t>os.remove</a:t>
+            </a:r>
+            <a:r>
+              <a:rPr lang="en-US" dirty="0"/>
+              <a:t>('</a:t>
+            </a:r>
+            <a:r>
+              <a:rPr lang="en-US" dirty="0" err="1"/>
+              <a:t>Pedidos</a:t>
+            </a:r>
+            <a:r>
+              <a:rPr lang="en-US" dirty="0"/>
+              <a:t>/</a:t>
+            </a:r>
+            <a:r>
+              <a:rPr lang="en-US" dirty="0" err="1"/>
+              <a:t>DataExcel</a:t>
+            </a:r>
+            <a:r>
+              <a:rPr lang="en-US" dirty="0"/>
+              <a:t>/</a:t>
+            </a:r>
+            <a:r>
+              <a:rPr lang="en-US" dirty="0" err="1"/>
+              <a:t>Inventario</a:t>
+            </a:r>
+            <a:r>
+              <a:rPr lang="en-US" dirty="0"/>
+              <a:t>/ReporteMovimientoDeInventario.xlsx')</a:t>
+            </a:r>
+            <a:br>
+              <a:rPr lang="en-US" dirty="0"/>
+            </a:br>
+            <a:endParaRPr lang="en-US" dirty="0"/>
+          </a:p>
+          <a:p>
+            <a:endParaRPr lang="en-US" dirty="0"/>
+          </a:p>
+        </p:txBody>
+      </p:sp>
+    </p:spTree>
+    <p:extLst>
+      <p:ext uri="{BB962C8B-B14F-4D97-AF65-F5344CB8AC3E}">
+        <p14:creationId xmlns:p14="http://schemas.microsoft.com/office/powerpoint/2010/main" val="3776292018"/>
       </p:ext>
     </p:extLst>
   </p:cSld>
@@ -7613,6 +8316,70 @@
           <a:chExt cx="0" cy="0"/>
         </a:xfrm>
       </p:grpSpPr>
+      <p:pic>
+        <p:nvPicPr>
+          <p:cNvPr id="5" name="Marcador de contenido 4">
+            <a:extLst>
+              <a:ext uri="{FF2B5EF4-FFF2-40B4-BE49-F238E27FC236}">
+                <a16:creationId xmlns:a16="http://schemas.microsoft.com/office/drawing/2014/main" id="{7B974D8C-9594-452D-813E-1DF6DB8DF87A}"/>
+              </a:ext>
+            </a:extLst>
+          </p:cNvPr>
+          <p:cNvPicPr>
+            <a:picLocks noGrp="1" noChangeAspect="1"/>
+          </p:cNvPicPr>
+          <p:nvPr>
+            <p:ph idx="1"/>
+          </p:nvPr>
+        </p:nvPicPr>
+        <p:blipFill rotWithShape="1">
+          <a:blip r:embed="rId2">
+            <a:extLst>
+              <a:ext uri="{28A0092B-C50C-407E-A947-70E740481C1C}">
+                <a14:useLocalDpi xmlns:a14="http://schemas.microsoft.com/office/drawing/2010/main" val="0"/>
+              </a:ext>
+            </a:extLst>
+          </a:blip>
+          <a:srcRect l="4718" t="9222" r="4733" b="10763"/>
+          <a:stretch/>
+        </p:blipFill>
+        <p:spPr>
+          <a:xfrm>
+            <a:off x="1136650" y="751880"/>
+            <a:ext cx="9918700" cy="5354239"/>
+          </a:xfrm>
+        </p:spPr>
+      </p:pic>
+    </p:spTree>
+    <p:extLst>
+      <p:ext uri="{BB962C8B-B14F-4D97-AF65-F5344CB8AC3E}">
+        <p14:creationId xmlns:p14="http://schemas.microsoft.com/office/powerpoint/2010/main" val="106991632"/>
+      </p:ext>
+    </p:extLst>
+  </p:cSld>
+  <p:clrMapOvr>
+    <a:masterClrMapping/>
+  </p:clrMapOvr>
+</p:sld>
+</file>
+
+<file path=ppt/slides/slide3.xml><?xml version="1.0" encoding="utf-8"?>
+<p:sld xmlns:a="http://schemas.openxmlformats.org/drawingml/2006/main" xmlns:r="http://schemas.openxmlformats.org/officeDocument/2006/relationships" xmlns:p="http://schemas.openxmlformats.org/presentationml/2006/main">
+  <p:cSld>
+    <p:spTree>
+      <p:nvGrpSpPr>
+        <p:cNvPr id="1" name=""/>
+        <p:cNvGrpSpPr/>
+        <p:nvPr/>
+      </p:nvGrpSpPr>
+      <p:grpSpPr>
+        <a:xfrm>
+          <a:off x="0" y="0"/>
+          <a:ext cx="0" cy="0"/>
+          <a:chOff x="0" y="0"/>
+          <a:chExt cx="0" cy="0"/>
+        </a:xfrm>
+      </p:grpSpPr>
       <p:sp>
         <p:nvSpPr>
           <p:cNvPr id="2" name="Título 1">
@@ -7737,7 +8504,7 @@
           <a:p>
             <a:r>
               <a:rPr lang="en-US" dirty="0"/>
-              <a:t>AprobacionesPedidos.xlsx</a:t>
+              <a:t>Aprobaciones_Pedidos.xlsx</a:t>
             </a:r>
           </a:p>
           <a:p>
@@ -8050,7 +8817,7 @@
         </p:nvSpPr>
         <p:spPr>
           <a:xfrm>
-            <a:off x="5741377" y="5807630"/>
+            <a:off x="5734450" y="5622965"/>
             <a:ext cx="5805854" cy="369332"/>
           </a:xfrm>
           <a:prstGeom prst="rect">
@@ -8124,7 +8891,7 @@
 </p:sld>
 </file>
 
-<file path=ppt/slides/slide3.xml><?xml version="1.0" encoding="utf-8"?>
+<file path=ppt/slides/slide4.xml><?xml version="1.0" encoding="utf-8"?>
 <p:sld xmlns:a="http://schemas.openxmlformats.org/drawingml/2006/main" xmlns:r="http://schemas.openxmlformats.org/officeDocument/2006/relationships" xmlns:p="http://schemas.openxmlformats.org/presentationml/2006/main">
   <p:cSld>
     <p:spTree>
@@ -9563,7 +10330,7 @@
 </p:sld>
 </file>
 
-<file path=ppt/slides/slide4.xml><?xml version="1.0" encoding="utf-8"?>
+<file path=ppt/slides/slide5.xml><?xml version="1.0" encoding="utf-8"?>
 <p:sld xmlns:a="http://schemas.openxmlformats.org/drawingml/2006/main" xmlns:r="http://schemas.openxmlformats.org/officeDocument/2006/relationships" xmlns:p="http://schemas.openxmlformats.org/presentationml/2006/main">
   <p:cSld>
     <p:spTree>
@@ -9585,6 +10352,147 @@
           <p:cNvPr id="2" name="Título 1">
             <a:extLst>
               <a:ext uri="{FF2B5EF4-FFF2-40B4-BE49-F238E27FC236}">
+                <a16:creationId xmlns:a16="http://schemas.microsoft.com/office/drawing/2014/main" id="{A594C93C-0491-4689-9461-988EC0A90CA9}"/>
+              </a:ext>
+            </a:extLst>
+          </p:cNvPr>
+          <p:cNvSpPr>
+            <a:spLocks noGrp="1"/>
+          </p:cNvSpPr>
+          <p:nvPr>
+            <p:ph type="title"/>
+          </p:nvPr>
+        </p:nvSpPr>
+        <p:spPr/>
+        <p:txBody>
+          <a:bodyPr>
+            <a:noAutofit/>
+          </a:bodyPr>
+          <a:lstStyle/>
+          <a:p>
+            <a:r>
+              <a:rPr lang="en-US" sz="3600" dirty="0" err="1"/>
+              <a:t>Archivos</a:t>
+            </a:r>
+            <a:r>
+              <a:rPr lang="en-US" sz="3600" dirty="0"/>
+              <a:t> </a:t>
+            </a:r>
+            <a:r>
+              <a:rPr lang="en-US" sz="3600" dirty="0" err="1"/>
+              <a:t>compartidos</a:t>
+            </a:r>
+            <a:r>
+              <a:rPr lang="en-US" sz="3600" dirty="0"/>
+              <a:t> para </a:t>
+            </a:r>
+            <a:r>
+              <a:rPr lang="en-US" sz="3600" dirty="0" err="1"/>
+              <a:t>pedidos</a:t>
+            </a:r>
+            <a:r>
+              <a:rPr lang="en-US" sz="3600" dirty="0"/>
+              <a:t> de 20 y 40 pies </a:t>
+            </a:r>
+          </a:p>
+        </p:txBody>
+      </p:sp>
+      <p:sp>
+        <p:nvSpPr>
+          <p:cNvPr id="3" name="Marcador de contenido 2">
+            <a:extLst>
+              <a:ext uri="{FF2B5EF4-FFF2-40B4-BE49-F238E27FC236}">
+                <a16:creationId xmlns:a16="http://schemas.microsoft.com/office/drawing/2014/main" id="{B816BF85-02B8-40A4-866A-1FA0FBFD45D7}"/>
+              </a:ext>
+            </a:extLst>
+          </p:cNvPr>
+          <p:cNvSpPr>
+            <a:spLocks noGrp="1"/>
+          </p:cNvSpPr>
+          <p:nvPr>
+            <p:ph idx="1"/>
+          </p:nvPr>
+        </p:nvSpPr>
+        <p:spPr/>
+        <p:txBody>
+          <a:bodyPr/>
+          <a:lstStyle/>
+          <a:p>
+            <a:r>
+              <a:rPr lang="en-US" dirty="0"/>
+              <a:t>Pedidos_Creados_Katalon.xlsx</a:t>
+            </a:r>
+          </a:p>
+          <a:p>
+            <a:r>
+              <a:rPr lang="en-US" dirty="0"/>
+              <a:t>AprobacionesPedidos.xlsx</a:t>
+            </a:r>
+          </a:p>
+          <a:p>
+            <a:r>
+              <a:rPr lang="en-US" dirty="0"/>
+              <a:t>Cargos_Logisticos.xlsx</a:t>
+            </a:r>
+          </a:p>
+          <a:p>
+            <a:r>
+              <a:rPr lang="en-US" dirty="0"/>
+              <a:t>Orden_Produccion.xlsx</a:t>
+            </a:r>
+          </a:p>
+          <a:p>
+            <a:r>
+              <a:rPr lang="en-US" dirty="0"/>
+              <a:t>Inventario.xlsx</a:t>
+            </a:r>
+          </a:p>
+          <a:p>
+            <a:r>
+              <a:rPr lang="en-US" dirty="0"/>
+              <a:t>Despacho.xlsx</a:t>
+            </a:r>
+          </a:p>
+          <a:p>
+            <a:endParaRPr lang="en-US" dirty="0"/>
+          </a:p>
+        </p:txBody>
+      </p:sp>
+    </p:spTree>
+    <p:extLst>
+      <p:ext uri="{BB962C8B-B14F-4D97-AF65-F5344CB8AC3E}">
+        <p14:creationId xmlns:p14="http://schemas.microsoft.com/office/powerpoint/2010/main" val="896732536"/>
+      </p:ext>
+    </p:extLst>
+  </p:cSld>
+  <p:clrMapOvr>
+    <a:masterClrMapping/>
+  </p:clrMapOvr>
+</p:sld>
+</file>
+
+<file path=ppt/slides/slide6.xml><?xml version="1.0" encoding="utf-8"?>
+<p:sld xmlns:a="http://schemas.openxmlformats.org/drawingml/2006/main" xmlns:r="http://schemas.openxmlformats.org/officeDocument/2006/relationships" xmlns:p="http://schemas.openxmlformats.org/presentationml/2006/main">
+  <p:cSld>
+    <p:spTree>
+      <p:nvGrpSpPr>
+        <p:cNvPr id="1" name=""/>
+        <p:cNvGrpSpPr/>
+        <p:nvPr/>
+      </p:nvGrpSpPr>
+      <p:grpSpPr>
+        <a:xfrm>
+          <a:off x="0" y="0"/>
+          <a:ext cx="0" cy="0"/>
+          <a:chOff x="0" y="0"/>
+          <a:chExt cx="0" cy="0"/>
+        </a:xfrm>
+      </p:grpSpPr>
+      <p:sp>
+        <p:nvSpPr>
+          <p:cNvPr id="2" name="Título 1">
+            <a:extLst>
+              <a:ext uri="{FF2B5EF4-FFF2-40B4-BE49-F238E27FC236}">
                 <a16:creationId xmlns:a16="http://schemas.microsoft.com/office/drawing/2014/main" id="{D2167204-1C96-4F27-9840-A6100C5E5075}"/>
               </a:ext>
             </a:extLst>
@@ -9633,7 +10541,15 @@
             </a:r>
             <a:r>
               <a:rPr lang="en-US" dirty="0"/>
-              <a:t> de 40 pies</a:t>
+              <a:t> </a:t>
+            </a:r>
+            <a:r>
+              <a:rPr lang="en-US"/>
+              <a:t>de 20 </a:t>
+            </a:r>
+            <a:r>
+              <a:rPr lang="en-US" dirty="0"/>
+              <a:t>pies</a:t>
             </a:r>
           </a:p>
         </p:txBody>
@@ -10296,847 +11212,6 @@
 </p:sld>
 </file>
 
-<file path=ppt/slides/slide5.xml><?xml version="1.0" encoding="utf-8"?>
-<p:sld xmlns:a="http://schemas.openxmlformats.org/drawingml/2006/main" xmlns:r="http://schemas.openxmlformats.org/officeDocument/2006/relationships" xmlns:p="http://schemas.openxmlformats.org/presentationml/2006/main">
-  <p:cSld>
-    <p:spTree>
-      <p:nvGrpSpPr>
-        <p:cNvPr id="1" name=""/>
-        <p:cNvGrpSpPr/>
-        <p:nvPr/>
-      </p:nvGrpSpPr>
-      <p:grpSpPr>
-        <a:xfrm>
-          <a:off x="0" y="0"/>
-          <a:ext cx="0" cy="0"/>
-          <a:chOff x="0" y="0"/>
-          <a:chExt cx="0" cy="0"/>
-        </a:xfrm>
-      </p:grpSpPr>
-      <p:sp>
-        <p:nvSpPr>
-          <p:cNvPr id="2" name="Título 1">
-            <a:extLst>
-              <a:ext uri="{FF2B5EF4-FFF2-40B4-BE49-F238E27FC236}">
-                <a16:creationId xmlns:a16="http://schemas.microsoft.com/office/drawing/2014/main" id="{7D2867F9-5232-4977-98A3-95D120C49B4D}"/>
-              </a:ext>
-            </a:extLst>
-          </p:cNvPr>
-          <p:cNvSpPr>
-            <a:spLocks noGrp="1"/>
-          </p:cNvSpPr>
-          <p:nvPr>
-            <p:ph type="title"/>
-          </p:nvPr>
-        </p:nvSpPr>
-        <p:spPr/>
-        <p:txBody>
-          <a:bodyPr>
-            <a:normAutofit fontScale="90000"/>
-          </a:bodyPr>
-          <a:lstStyle/>
-          <a:p>
-            <a:r>
-              <a:rPr lang="en-US" dirty="0" err="1"/>
-              <a:t>Consideraciónes</a:t>
-            </a:r>
-            <a:r>
-              <a:rPr lang="en-US" dirty="0"/>
-              <a:t> </a:t>
-            </a:r>
-            <a:r>
-              <a:rPr lang="en-US" dirty="0" err="1"/>
-              <a:t>en</a:t>
-            </a:r>
-            <a:r>
-              <a:rPr lang="en-US" dirty="0"/>
-              <a:t> </a:t>
-            </a:r>
-            <a:r>
-              <a:rPr lang="en-US" dirty="0" err="1"/>
-              <a:t>Aprobaciones</a:t>
-            </a:r>
-            <a:r>
-              <a:rPr lang="en-US" dirty="0"/>
-              <a:t> de </a:t>
-            </a:r>
-            <a:r>
-              <a:rPr lang="en-US" dirty="0" err="1"/>
-              <a:t>Pedidos</a:t>
-            </a:r>
-            <a:endParaRPr lang="en-US" dirty="0"/>
-          </a:p>
-        </p:txBody>
-      </p:sp>
-      <p:sp>
-        <p:nvSpPr>
-          <p:cNvPr id="3" name="Marcador de contenido 2">
-            <a:extLst>
-              <a:ext uri="{FF2B5EF4-FFF2-40B4-BE49-F238E27FC236}">
-                <a16:creationId xmlns:a16="http://schemas.microsoft.com/office/drawing/2014/main" id="{47A6AF41-FC1C-491C-94DF-2E30708A4B61}"/>
-              </a:ext>
-            </a:extLst>
-          </p:cNvPr>
-          <p:cNvSpPr>
-            <a:spLocks noGrp="1"/>
-          </p:cNvSpPr>
-          <p:nvPr>
-            <p:ph idx="1"/>
-          </p:nvPr>
-        </p:nvSpPr>
-        <p:spPr>
-          <a:xfrm>
-            <a:off x="1295401" y="2556932"/>
-            <a:ext cx="9601196" cy="3843868"/>
-          </a:xfrm>
-        </p:spPr>
-        <p:txBody>
-          <a:bodyPr>
-            <a:normAutofit fontScale="85000" lnSpcReduction="20000"/>
-          </a:bodyPr>
-          <a:lstStyle/>
-          <a:p>
-            <a:r>
-              <a:rPr lang="en-US" dirty="0"/>
-              <a:t>El 90% de los </a:t>
-            </a:r>
-            <a:r>
-              <a:rPr lang="en-US" dirty="0" err="1"/>
-              <a:t>pedidos</a:t>
-            </a:r>
-            <a:r>
-              <a:rPr lang="en-US" dirty="0"/>
-              <a:t> son </a:t>
-            </a:r>
-            <a:r>
-              <a:rPr lang="en-US" dirty="0" err="1"/>
-              <a:t>aprobados</a:t>
-            </a:r>
-            <a:endParaRPr lang="en-US" dirty="0"/>
-          </a:p>
-          <a:p>
-            <a:r>
-              <a:rPr lang="en-US" dirty="0"/>
-              <a:t>El 10% son </a:t>
-            </a:r>
-            <a:r>
-              <a:rPr lang="en-US" dirty="0" err="1"/>
-              <a:t>pedidos</a:t>
-            </a:r>
-            <a:r>
-              <a:rPr lang="en-US" dirty="0"/>
-              <a:t> </a:t>
-            </a:r>
-            <a:r>
-              <a:rPr lang="en-US" dirty="0" err="1"/>
-              <a:t>rechazados</a:t>
-            </a:r>
-            <a:r>
-              <a:rPr lang="en-US" dirty="0"/>
-              <a:t> </a:t>
-            </a:r>
-            <a:r>
-              <a:rPr lang="en-US" dirty="0" err="1"/>
-              <a:t>en</a:t>
-            </a:r>
-            <a:r>
-              <a:rPr lang="en-US" dirty="0"/>
-              <a:t> las </a:t>
-            </a:r>
-            <a:r>
-              <a:rPr lang="en-US" dirty="0" err="1"/>
-              <a:t>aprobaciones</a:t>
-            </a:r>
-            <a:endParaRPr lang="en-US" dirty="0"/>
-          </a:p>
-          <a:p>
-            <a:r>
-              <a:rPr lang="en-US" dirty="0"/>
-              <a:t>El </a:t>
-            </a:r>
-            <a:r>
-              <a:rPr lang="en-US" dirty="0" err="1"/>
-              <a:t>archivo</a:t>
-            </a:r>
-            <a:r>
-              <a:rPr lang="en-US" dirty="0"/>
-              <a:t> </a:t>
-            </a:r>
-            <a:r>
-              <a:rPr lang="en-US" dirty="0" err="1"/>
-              <a:t>generado</a:t>
-            </a:r>
-            <a:r>
-              <a:rPr lang="en-US" dirty="0"/>
-              <a:t> de </a:t>
-            </a:r>
-            <a:r>
-              <a:rPr lang="en-US" dirty="0" err="1"/>
-              <a:t>aprobaciones</a:t>
-            </a:r>
-            <a:r>
-              <a:rPr lang="en-US" dirty="0"/>
-              <a:t> se </a:t>
-            </a:r>
-            <a:r>
-              <a:rPr lang="en-US" dirty="0" err="1"/>
-              <a:t>crea</a:t>
-            </a:r>
-            <a:r>
-              <a:rPr lang="en-US" dirty="0"/>
-              <a:t> </a:t>
-            </a:r>
-            <a:r>
-              <a:rPr lang="en-US" dirty="0" err="1"/>
-              <a:t>en</a:t>
-            </a:r>
-            <a:r>
-              <a:rPr lang="en-US" dirty="0"/>
-              <a:t> </a:t>
-            </a:r>
-            <a:r>
-              <a:rPr lang="en-US" dirty="0" err="1"/>
-              <a:t>función</a:t>
-            </a:r>
-            <a:r>
-              <a:rPr lang="en-US" dirty="0"/>
-              <a:t> de los id que </a:t>
-            </a:r>
-            <a:r>
-              <a:rPr lang="en-US" dirty="0" err="1"/>
-              <a:t>guarda</a:t>
-            </a:r>
-            <a:r>
-              <a:rPr lang="en-US" dirty="0"/>
-              <a:t> el </a:t>
-            </a:r>
-            <a:r>
-              <a:rPr lang="en-US" dirty="0" err="1"/>
-              <a:t>archivo</a:t>
-            </a:r>
-            <a:r>
-              <a:rPr lang="en-US" dirty="0"/>
-              <a:t> de </a:t>
-            </a:r>
-            <a:r>
-              <a:rPr lang="en-US" dirty="0" err="1"/>
-              <a:t>Katalon</a:t>
-            </a:r>
-            <a:r>
-              <a:rPr lang="en-US" dirty="0"/>
-              <a:t>: Pedidos_Creados_Katalon.xlsx </a:t>
-            </a:r>
-          </a:p>
-          <a:p>
-            <a:r>
-              <a:rPr lang="en-US" dirty="0"/>
-              <a:t>Este </a:t>
-            </a:r>
-            <a:r>
-              <a:rPr lang="en-US" dirty="0" err="1"/>
-              <a:t>archivo</a:t>
-            </a:r>
-            <a:r>
-              <a:rPr lang="en-US" dirty="0"/>
-              <a:t> </a:t>
-            </a:r>
-            <a:r>
-              <a:rPr lang="en-US" dirty="0" err="1"/>
-              <a:t>crea</a:t>
-            </a:r>
-            <a:r>
-              <a:rPr lang="en-US" dirty="0"/>
-              <a:t> </a:t>
-            </a:r>
-            <a:r>
-              <a:rPr lang="en-US" dirty="0" err="1"/>
-              <a:t>columnas</a:t>
-            </a:r>
-            <a:r>
-              <a:rPr lang="en-US" dirty="0"/>
-              <a:t> </a:t>
-            </a:r>
-            <a:r>
-              <a:rPr lang="en-US" dirty="0" err="1"/>
-              <a:t>aleatorias</a:t>
-            </a:r>
-            <a:r>
-              <a:rPr lang="en-US" dirty="0"/>
-              <a:t> para la </a:t>
-            </a:r>
-            <a:r>
-              <a:rPr lang="en-US" dirty="0" err="1"/>
-              <a:t>Aprob</a:t>
-            </a:r>
-            <a:r>
-              <a:rPr lang="en-US" dirty="0"/>
-              <a:t>. de Ventas, </a:t>
-            </a:r>
-            <a:r>
-              <a:rPr lang="en-US" dirty="0" err="1"/>
-              <a:t>Aprob</a:t>
-            </a:r>
-            <a:r>
-              <a:rPr lang="en-US" dirty="0"/>
-              <a:t>. </a:t>
-            </a:r>
-            <a:r>
-              <a:rPr lang="en-US" dirty="0" err="1"/>
-              <a:t>Financiera</a:t>
-            </a:r>
-            <a:r>
-              <a:rPr lang="en-US" dirty="0"/>
-              <a:t>, y </a:t>
-            </a:r>
-            <a:r>
-              <a:rPr lang="en-US" dirty="0" err="1"/>
-              <a:t>Aprob</a:t>
-            </a:r>
-            <a:r>
-              <a:rPr lang="en-US" dirty="0"/>
-              <a:t>. de </a:t>
-            </a:r>
-            <a:r>
-              <a:rPr lang="en-US" dirty="0" err="1"/>
-              <a:t>Producción</a:t>
-            </a:r>
-            <a:r>
-              <a:rPr lang="en-US" dirty="0"/>
-              <a:t>.</a:t>
-            </a:r>
-          </a:p>
-          <a:p>
-            <a:r>
-              <a:rPr lang="en-US" dirty="0"/>
-              <a:t>Para </a:t>
-            </a:r>
-            <a:r>
-              <a:rPr lang="en-US" dirty="0" err="1"/>
-              <a:t>cumplir</a:t>
-            </a:r>
-            <a:r>
-              <a:rPr lang="en-US" dirty="0"/>
-              <a:t> con los </a:t>
-            </a:r>
-            <a:r>
-              <a:rPr lang="en-US" dirty="0" err="1"/>
-              <a:t>porcentajes</a:t>
-            </a:r>
-            <a:r>
-              <a:rPr lang="en-US" dirty="0"/>
-              <a:t> se </a:t>
-            </a:r>
-            <a:r>
-              <a:rPr lang="en-US" dirty="0" err="1"/>
-              <a:t>obligo</a:t>
-            </a:r>
-            <a:r>
-              <a:rPr lang="en-US" dirty="0"/>
-              <a:t> que </a:t>
-            </a:r>
-            <a:r>
-              <a:rPr lang="en-US" dirty="0" err="1"/>
-              <a:t>Aprob</a:t>
-            </a:r>
-            <a:r>
-              <a:rPr lang="en-US" dirty="0"/>
-              <a:t>. de Ventas </a:t>
-            </a:r>
-            <a:r>
-              <a:rPr lang="en-US" dirty="0" err="1"/>
-              <a:t>siempre</a:t>
-            </a:r>
-            <a:r>
-              <a:rPr lang="en-US" dirty="0"/>
-              <a:t> sea </a:t>
-            </a:r>
-            <a:r>
-              <a:rPr lang="en-US" dirty="0" err="1"/>
-              <a:t>aprobado</a:t>
-            </a:r>
-            <a:r>
-              <a:rPr lang="en-US" dirty="0"/>
-              <a:t> y </a:t>
-            </a:r>
-            <a:r>
-              <a:rPr lang="en-US" dirty="0" err="1"/>
-              <a:t>Aprob</a:t>
-            </a:r>
-            <a:r>
-              <a:rPr lang="en-US" dirty="0"/>
-              <a:t>. </a:t>
-            </a:r>
-            <a:r>
-              <a:rPr lang="en-US" dirty="0" err="1"/>
-              <a:t>Financiera</a:t>
-            </a:r>
-            <a:r>
-              <a:rPr lang="en-US" dirty="0"/>
-              <a:t>, y </a:t>
-            </a:r>
-            <a:r>
-              <a:rPr lang="en-US" dirty="0" err="1"/>
-              <a:t>Aprob</a:t>
-            </a:r>
-            <a:r>
-              <a:rPr lang="en-US" dirty="0"/>
-              <a:t>. De </a:t>
-            </a:r>
-            <a:r>
-              <a:rPr lang="en-US" dirty="0" err="1"/>
-              <a:t>Producción</a:t>
-            </a:r>
-            <a:r>
-              <a:rPr lang="en-US" dirty="0"/>
-              <a:t> sea </a:t>
-            </a:r>
-            <a:r>
-              <a:rPr lang="en-US" dirty="0" err="1"/>
-              <a:t>aleatorio</a:t>
-            </a:r>
-            <a:r>
-              <a:rPr lang="en-US" dirty="0"/>
-              <a:t>  para que </a:t>
-            </a:r>
-            <a:r>
-              <a:rPr lang="en-US" dirty="0" err="1"/>
-              <a:t>lograr</a:t>
-            </a:r>
-            <a:r>
-              <a:rPr lang="en-US" dirty="0"/>
-              <a:t> </a:t>
-            </a:r>
-            <a:r>
-              <a:rPr lang="en-US" dirty="0" err="1"/>
-              <a:t>cumplir</a:t>
-            </a:r>
-            <a:r>
-              <a:rPr lang="en-US" dirty="0"/>
-              <a:t> con el </a:t>
-            </a:r>
-            <a:r>
-              <a:rPr lang="en-US" dirty="0" err="1"/>
-              <a:t>porcentaje</a:t>
-            </a:r>
-            <a:r>
-              <a:rPr lang="en-US" dirty="0"/>
-              <a:t> de </a:t>
-            </a:r>
-            <a:r>
-              <a:rPr lang="en-US" dirty="0" err="1"/>
-              <a:t>archivos</a:t>
-            </a:r>
-            <a:r>
-              <a:rPr lang="en-US" dirty="0"/>
-              <a:t> </a:t>
-            </a:r>
-            <a:r>
-              <a:rPr lang="en-US" dirty="0" err="1"/>
-              <a:t>aprobados</a:t>
-            </a:r>
-            <a:r>
-              <a:rPr lang="en-US" dirty="0"/>
-              <a:t>.</a:t>
-            </a:r>
-          </a:p>
-          <a:p>
-            <a:r>
-              <a:rPr lang="en-US" dirty="0"/>
-              <a:t>Los </a:t>
-            </a:r>
-            <a:r>
-              <a:rPr lang="en-US" dirty="0" err="1"/>
-              <a:t>pedidos</a:t>
-            </a:r>
-            <a:r>
-              <a:rPr lang="en-US" dirty="0"/>
-              <a:t> </a:t>
-            </a:r>
-            <a:r>
-              <a:rPr lang="en-US" dirty="0" err="1"/>
-              <a:t>seleccionados</a:t>
-            </a:r>
-            <a:r>
-              <a:rPr lang="en-US" dirty="0"/>
-              <a:t> </a:t>
-            </a:r>
-            <a:r>
-              <a:rPr lang="en-US" dirty="0" err="1"/>
-              <a:t>estan</a:t>
-            </a:r>
-            <a:r>
-              <a:rPr lang="en-US" dirty="0"/>
-              <a:t> </a:t>
-            </a:r>
-            <a:r>
-              <a:rPr lang="en-US" dirty="0" err="1"/>
-              <a:t>en</a:t>
-            </a:r>
-            <a:r>
-              <a:rPr lang="en-US" dirty="0"/>
-              <a:t> </a:t>
-            </a:r>
-            <a:r>
-              <a:rPr lang="en-US" dirty="0" err="1"/>
-              <a:t>estatus</a:t>
-            </a:r>
-            <a:r>
-              <a:rPr lang="en-US" dirty="0"/>
-              <a:t> </a:t>
-            </a:r>
-            <a:r>
-              <a:rPr lang="en-US" dirty="0" err="1"/>
-              <a:t>Creado</a:t>
-            </a:r>
-            <a:r>
-              <a:rPr lang="en-US" dirty="0"/>
-              <a:t> y </a:t>
-            </a:r>
-            <a:r>
-              <a:rPr lang="en-US" dirty="0" err="1"/>
-              <a:t>omite</a:t>
-            </a:r>
-            <a:r>
-              <a:rPr lang="en-US" dirty="0"/>
-              <a:t> los </a:t>
-            </a:r>
-            <a:r>
-              <a:rPr lang="en-US" dirty="0" err="1"/>
-              <a:t>pedidos</a:t>
-            </a:r>
-            <a:r>
-              <a:rPr lang="en-US" dirty="0"/>
-              <a:t> </a:t>
-            </a:r>
-            <a:r>
-              <a:rPr lang="en-US" dirty="0" err="1"/>
-              <a:t>en</a:t>
-            </a:r>
-            <a:r>
-              <a:rPr lang="en-US" dirty="0"/>
-              <a:t> </a:t>
-            </a:r>
-            <a:r>
-              <a:rPr lang="en-US" dirty="0" err="1"/>
-              <a:t>borrador</a:t>
-            </a:r>
-            <a:r>
-              <a:rPr lang="en-US" dirty="0"/>
-              <a:t> para </a:t>
-            </a:r>
-            <a:r>
-              <a:rPr lang="en-US" dirty="0" err="1"/>
-              <a:t>efectuar</a:t>
-            </a:r>
-            <a:r>
-              <a:rPr lang="en-US" dirty="0"/>
-              <a:t> </a:t>
-            </a:r>
-            <a:r>
-              <a:rPr lang="en-US" dirty="0" err="1"/>
-              <a:t>este</a:t>
-            </a:r>
-            <a:r>
-              <a:rPr lang="en-US" dirty="0"/>
-              <a:t> </a:t>
-            </a:r>
-            <a:r>
-              <a:rPr lang="en-US" dirty="0" err="1"/>
-              <a:t>paso</a:t>
-            </a:r>
-            <a:r>
-              <a:rPr lang="en-US" dirty="0"/>
-              <a:t>.</a:t>
-            </a:r>
-          </a:p>
-          <a:p>
-            <a:endParaRPr lang="en-US" dirty="0"/>
-          </a:p>
-          <a:p>
-            <a:endParaRPr lang="en-US" dirty="0"/>
-          </a:p>
-          <a:p>
-            <a:endParaRPr lang="en-US" dirty="0"/>
-          </a:p>
-        </p:txBody>
-      </p:sp>
-    </p:spTree>
-    <p:extLst>
-      <p:ext uri="{BB962C8B-B14F-4D97-AF65-F5344CB8AC3E}">
-        <p14:creationId xmlns:p14="http://schemas.microsoft.com/office/powerpoint/2010/main" val="1787732742"/>
-      </p:ext>
-    </p:extLst>
-  </p:cSld>
-  <p:clrMapOvr>
-    <a:masterClrMapping/>
-  </p:clrMapOvr>
-</p:sld>
-</file>
-
-<file path=ppt/slides/slide6.xml><?xml version="1.0" encoding="utf-8"?>
-<p:sld xmlns:a="http://schemas.openxmlformats.org/drawingml/2006/main" xmlns:r="http://schemas.openxmlformats.org/officeDocument/2006/relationships" xmlns:p="http://schemas.openxmlformats.org/presentationml/2006/main">
-  <p:cSld>
-    <p:spTree>
-      <p:nvGrpSpPr>
-        <p:cNvPr id="1" name=""/>
-        <p:cNvGrpSpPr/>
-        <p:nvPr/>
-      </p:nvGrpSpPr>
-      <p:grpSpPr>
-        <a:xfrm>
-          <a:off x="0" y="0"/>
-          <a:ext cx="0" cy="0"/>
-          <a:chOff x="0" y="0"/>
-          <a:chExt cx="0" cy="0"/>
-        </a:xfrm>
-      </p:grpSpPr>
-      <p:sp>
-        <p:nvSpPr>
-          <p:cNvPr id="2" name="Título 1">
-            <a:extLst>
-              <a:ext uri="{FF2B5EF4-FFF2-40B4-BE49-F238E27FC236}">
-                <a16:creationId xmlns:a16="http://schemas.microsoft.com/office/drawing/2014/main" id="{BCE5B4F8-89BE-4AC2-ABF7-10BF5CFE9647}"/>
-              </a:ext>
-            </a:extLst>
-          </p:cNvPr>
-          <p:cNvSpPr>
-            <a:spLocks noGrp="1"/>
-          </p:cNvSpPr>
-          <p:nvPr>
-            <p:ph type="title"/>
-          </p:nvPr>
-        </p:nvSpPr>
-        <p:spPr/>
-        <p:txBody>
-          <a:bodyPr/>
-          <a:lstStyle/>
-          <a:p>
-            <a:r>
-              <a:rPr lang="en-US" dirty="0" err="1"/>
-              <a:t>Consideraciones</a:t>
-            </a:r>
-            <a:r>
-              <a:rPr lang="en-US" dirty="0"/>
-              <a:t> </a:t>
-            </a:r>
-            <a:r>
-              <a:rPr lang="en-US" dirty="0" err="1"/>
-              <a:t>en</a:t>
-            </a:r>
-            <a:r>
-              <a:rPr lang="en-US" dirty="0"/>
-              <a:t> Cargos </a:t>
-            </a:r>
-            <a:r>
-              <a:rPr lang="en-US" dirty="0" err="1"/>
-              <a:t>Logísticos</a:t>
-            </a:r>
-            <a:endParaRPr lang="en-US" dirty="0"/>
-          </a:p>
-        </p:txBody>
-      </p:sp>
-      <p:sp>
-        <p:nvSpPr>
-          <p:cNvPr id="3" name="Marcador de contenido 2">
-            <a:extLst>
-              <a:ext uri="{FF2B5EF4-FFF2-40B4-BE49-F238E27FC236}">
-                <a16:creationId xmlns:a16="http://schemas.microsoft.com/office/drawing/2014/main" id="{1333D51E-40D3-499C-9E37-0E94A1CD3ACB}"/>
-              </a:ext>
-            </a:extLst>
-          </p:cNvPr>
-          <p:cNvSpPr>
-            <a:spLocks noGrp="1"/>
-          </p:cNvSpPr>
-          <p:nvPr>
-            <p:ph idx="1"/>
-          </p:nvPr>
-        </p:nvSpPr>
-        <p:spPr/>
-        <p:txBody>
-          <a:bodyPr/>
-          <a:lstStyle/>
-          <a:p>
-            <a:endParaRPr lang="en-US" dirty="0"/>
-          </a:p>
-          <a:p>
-            <a:r>
-              <a:rPr lang="en-US" dirty="0"/>
-              <a:t>Los </a:t>
-            </a:r>
-            <a:r>
-              <a:rPr lang="en-US" dirty="0" err="1"/>
-              <a:t>pedidos</a:t>
-            </a:r>
-            <a:r>
-              <a:rPr lang="en-US" dirty="0"/>
-              <a:t> </a:t>
-            </a:r>
-            <a:r>
-              <a:rPr lang="en-US" dirty="0" err="1"/>
-              <a:t>seleccionados</a:t>
-            </a:r>
-            <a:r>
-              <a:rPr lang="en-US" dirty="0"/>
-              <a:t> </a:t>
-            </a:r>
-            <a:r>
-              <a:rPr lang="en-US" dirty="0" err="1"/>
-              <a:t>están</a:t>
-            </a:r>
-            <a:r>
-              <a:rPr lang="en-US" dirty="0"/>
-              <a:t> </a:t>
-            </a:r>
-            <a:r>
-              <a:rPr lang="en-US" dirty="0" err="1"/>
-              <a:t>en</a:t>
-            </a:r>
-            <a:r>
-              <a:rPr lang="en-US" dirty="0"/>
-              <a:t> </a:t>
-            </a:r>
-            <a:r>
-              <a:rPr lang="en-US" dirty="0" err="1"/>
-              <a:t>estatus</a:t>
-            </a:r>
-            <a:r>
-              <a:rPr lang="en-US" dirty="0"/>
-              <a:t> </a:t>
-            </a:r>
-            <a:r>
-              <a:rPr lang="en-US" dirty="0" err="1"/>
-              <a:t>aprobado</a:t>
-            </a:r>
-            <a:r>
-              <a:rPr lang="en-US" dirty="0"/>
-              <a:t>.</a:t>
-            </a:r>
-          </a:p>
-          <a:p>
-            <a:r>
-              <a:rPr lang="en-US" dirty="0"/>
-              <a:t>Se </a:t>
-            </a:r>
-            <a:r>
-              <a:rPr lang="en-US" dirty="0" err="1"/>
-              <a:t>pueden</a:t>
-            </a:r>
-            <a:r>
-              <a:rPr lang="en-US" dirty="0"/>
-              <a:t> a</a:t>
-            </a:r>
-            <a:r>
-              <a:rPr lang="es-VE" dirty="0" err="1"/>
-              <a:t>ñadir</a:t>
-            </a:r>
-            <a:r>
-              <a:rPr lang="es-VE" dirty="0"/>
-              <a:t> un máximo dos cargos logísticos. Son aleatorios y no se repiten entre si. </a:t>
-            </a:r>
-            <a:endParaRPr lang="en-US" dirty="0"/>
-          </a:p>
-          <a:p>
-            <a:r>
-              <a:rPr lang="en-US" dirty="0"/>
-              <a:t>Los </a:t>
-            </a:r>
-            <a:r>
-              <a:rPr lang="en-US" dirty="0" err="1"/>
-              <a:t>datos</a:t>
-            </a:r>
-            <a:r>
-              <a:rPr lang="en-US" dirty="0"/>
-              <a:t> </a:t>
-            </a:r>
-            <a:r>
-              <a:rPr lang="en-US" dirty="0" err="1"/>
-              <a:t>como</a:t>
-            </a:r>
-            <a:r>
-              <a:rPr lang="en-US" dirty="0"/>
-              <a:t> Naviera, </a:t>
-            </a:r>
-            <a:r>
-              <a:rPr lang="en-US" dirty="0" err="1"/>
-              <a:t>Contenedor</a:t>
-            </a:r>
-            <a:r>
-              <a:rPr lang="en-US" dirty="0"/>
-              <a:t>, </a:t>
-            </a:r>
-            <a:r>
-              <a:rPr lang="en-US" dirty="0" err="1"/>
-              <a:t>Sello</a:t>
-            </a:r>
-            <a:r>
-              <a:rPr lang="en-US" dirty="0"/>
-              <a:t> y Valor son </a:t>
-            </a:r>
-            <a:r>
-              <a:rPr lang="en-US" dirty="0" err="1"/>
-              <a:t>constantes</a:t>
-            </a:r>
-            <a:r>
-              <a:rPr lang="en-US" dirty="0"/>
-              <a:t> se </a:t>
-            </a:r>
-            <a:r>
-              <a:rPr lang="en-US" dirty="0" err="1"/>
-              <a:t>pueden</a:t>
-            </a:r>
-            <a:r>
-              <a:rPr lang="en-US" dirty="0"/>
-              <a:t> </a:t>
-            </a:r>
-            <a:r>
-              <a:rPr lang="en-US" dirty="0" err="1"/>
-              <a:t>cambiar</a:t>
-            </a:r>
-            <a:r>
-              <a:rPr lang="en-US" dirty="0"/>
-              <a:t> </a:t>
-            </a:r>
-            <a:r>
-              <a:rPr lang="en-US" dirty="0" err="1"/>
-              <a:t>en</a:t>
-            </a:r>
-            <a:r>
-              <a:rPr lang="en-US" dirty="0"/>
-              <a:t> las variables </a:t>
-            </a:r>
-            <a:r>
-              <a:rPr lang="en-US" dirty="0" err="1"/>
-              <a:t>globales</a:t>
-            </a:r>
-            <a:r>
-              <a:rPr lang="en-US" dirty="0"/>
-              <a:t> de </a:t>
-            </a:r>
-            <a:r>
-              <a:rPr lang="en-US" dirty="0" err="1"/>
-              <a:t>Katalon</a:t>
-            </a:r>
-            <a:r>
-              <a:rPr lang="en-US" dirty="0"/>
-              <a:t>. </a:t>
-            </a:r>
-            <a:endParaRPr lang="es-VE" dirty="0"/>
-          </a:p>
-        </p:txBody>
-      </p:sp>
-    </p:spTree>
-    <p:extLst>
-      <p:ext uri="{BB962C8B-B14F-4D97-AF65-F5344CB8AC3E}">
-        <p14:creationId xmlns:p14="http://schemas.microsoft.com/office/powerpoint/2010/main" val="2981045520"/>
-      </p:ext>
-    </p:extLst>
-  </p:cSld>
-  <p:clrMapOvr>
-    <a:masterClrMapping/>
-  </p:clrMapOvr>
-</p:sld>
-</file>
-
 <file path=ppt/slides/slide7.xml><?xml version="1.0" encoding="utf-8"?>
 <p:sld xmlns:a="http://schemas.openxmlformats.org/drawingml/2006/main" xmlns:r="http://schemas.openxmlformats.org/officeDocument/2006/relationships" xmlns:p="http://schemas.openxmlformats.org/presentationml/2006/main">
   <p:cSld>
@@ -11159,7 +11234,7 @@
           <p:cNvPr id="2" name="Título 1">
             <a:extLst>
               <a:ext uri="{FF2B5EF4-FFF2-40B4-BE49-F238E27FC236}">
-                <a16:creationId xmlns:a16="http://schemas.microsoft.com/office/drawing/2014/main" id="{7444905B-1A13-4697-AB95-7538F850468F}"/>
+                <a16:creationId xmlns:a16="http://schemas.microsoft.com/office/drawing/2014/main" id="{7D2867F9-5232-4977-98A3-95D120C49B4D}"/>
               </a:ext>
             </a:extLst>
           </p:cNvPr>
@@ -11172,12 +11247,38 @@
         </p:nvSpPr>
         <p:spPr/>
         <p:txBody>
-          <a:bodyPr/>
+          <a:bodyPr>
+            <a:normAutofit fontScale="90000"/>
+          </a:bodyPr>
           <a:lstStyle/>
           <a:p>
             <a:r>
-              <a:rPr lang="es-VE" dirty="0"/>
-              <a:t>Consideraciones en Orden de Producción</a:t>
+              <a:rPr lang="en-US" dirty="0" err="1"/>
+              <a:t>Consideraciónes</a:t>
+            </a:r>
+            <a:r>
+              <a:rPr lang="en-US" dirty="0"/>
+              <a:t> </a:t>
+            </a:r>
+            <a:r>
+              <a:rPr lang="en-US" dirty="0" err="1"/>
+              <a:t>en</a:t>
+            </a:r>
+            <a:r>
+              <a:rPr lang="en-US" dirty="0"/>
+              <a:t> </a:t>
+            </a:r>
+            <a:r>
+              <a:rPr lang="en-US" dirty="0" err="1"/>
+              <a:t>Aprobaciones</a:t>
+            </a:r>
+            <a:r>
+              <a:rPr lang="en-US" dirty="0"/>
+              <a:t> de </a:t>
+            </a:r>
+            <a:r>
+              <a:rPr lang="en-US" dirty="0" err="1"/>
+              <a:t>Pedidos</a:t>
             </a:r>
             <a:endParaRPr lang="en-US" dirty="0"/>
           </a:p>
@@ -11188,7 +11289,7 @@
           <p:cNvPr id="3" name="Marcador de contenido 2">
             <a:extLst>
               <a:ext uri="{FF2B5EF4-FFF2-40B4-BE49-F238E27FC236}">
-                <a16:creationId xmlns:a16="http://schemas.microsoft.com/office/drawing/2014/main" id="{6129A004-DAFB-4BB4-A262-30633B1F6110}"/>
+                <a16:creationId xmlns:a16="http://schemas.microsoft.com/office/drawing/2014/main" id="{47A6AF41-FC1C-491C-94DF-2E30708A4B61}"/>
               </a:ext>
             </a:extLst>
           </p:cNvPr>
@@ -11199,13 +11300,364 @@
             <p:ph idx="1"/>
           </p:nvPr>
         </p:nvSpPr>
-        <p:spPr/>
-        <p:txBody>
-          <a:bodyPr/>
+        <p:spPr>
+          <a:xfrm>
+            <a:off x="1295401" y="2556932"/>
+            <a:ext cx="9601196" cy="3843868"/>
+          </a:xfrm>
+        </p:spPr>
+        <p:txBody>
+          <a:bodyPr>
+            <a:normAutofit fontScale="85000" lnSpcReduction="20000"/>
+          </a:bodyPr>
           <a:lstStyle/>
           <a:p>
             <a:r>
               <a:rPr lang="en-US" dirty="0"/>
+              <a:t>El 90% de los </a:t>
+            </a:r>
+            <a:r>
+              <a:rPr lang="en-US" dirty="0" err="1"/>
+              <a:t>pedidos</a:t>
+            </a:r>
+            <a:r>
+              <a:rPr lang="en-US" dirty="0"/>
+              <a:t> son </a:t>
+            </a:r>
+            <a:r>
+              <a:rPr lang="en-US" dirty="0" err="1"/>
+              <a:t>aprobados</a:t>
+            </a:r>
+            <a:endParaRPr lang="en-US" dirty="0"/>
+          </a:p>
+          <a:p>
+            <a:r>
+              <a:rPr lang="en-US" dirty="0"/>
+              <a:t>El 10% son </a:t>
+            </a:r>
+            <a:r>
+              <a:rPr lang="en-US" dirty="0" err="1"/>
+              <a:t>pedidos</a:t>
+            </a:r>
+            <a:r>
+              <a:rPr lang="en-US" dirty="0"/>
+              <a:t> </a:t>
+            </a:r>
+            <a:r>
+              <a:rPr lang="en-US" dirty="0" err="1"/>
+              <a:t>rechazados</a:t>
+            </a:r>
+            <a:r>
+              <a:rPr lang="en-US" dirty="0"/>
+              <a:t> </a:t>
+            </a:r>
+            <a:r>
+              <a:rPr lang="en-US" dirty="0" err="1"/>
+              <a:t>en</a:t>
+            </a:r>
+            <a:r>
+              <a:rPr lang="en-US" dirty="0"/>
+              <a:t> las </a:t>
+            </a:r>
+            <a:r>
+              <a:rPr lang="en-US" dirty="0" err="1"/>
+              <a:t>aprobaciones</a:t>
+            </a:r>
+            <a:endParaRPr lang="en-US" dirty="0"/>
+          </a:p>
+          <a:p>
+            <a:r>
+              <a:rPr lang="en-US" dirty="0"/>
+              <a:t>El </a:t>
+            </a:r>
+            <a:r>
+              <a:rPr lang="en-US" dirty="0" err="1"/>
+              <a:t>archivo</a:t>
+            </a:r>
+            <a:r>
+              <a:rPr lang="en-US" dirty="0"/>
+              <a:t> </a:t>
+            </a:r>
+            <a:r>
+              <a:rPr lang="en-US" dirty="0" err="1"/>
+              <a:t>generado</a:t>
+            </a:r>
+            <a:r>
+              <a:rPr lang="en-US" dirty="0"/>
+              <a:t> de </a:t>
+            </a:r>
+            <a:r>
+              <a:rPr lang="en-US" dirty="0" err="1"/>
+              <a:t>aprobaciones</a:t>
+            </a:r>
+            <a:r>
+              <a:rPr lang="en-US" dirty="0"/>
+              <a:t> se </a:t>
+            </a:r>
+            <a:r>
+              <a:rPr lang="en-US" dirty="0" err="1"/>
+              <a:t>crea</a:t>
+            </a:r>
+            <a:r>
+              <a:rPr lang="en-US" dirty="0"/>
+              <a:t> </a:t>
+            </a:r>
+            <a:r>
+              <a:rPr lang="en-US" dirty="0" err="1"/>
+              <a:t>en</a:t>
+            </a:r>
+            <a:r>
+              <a:rPr lang="en-US" dirty="0"/>
+              <a:t> </a:t>
+            </a:r>
+            <a:r>
+              <a:rPr lang="en-US" dirty="0" err="1"/>
+              <a:t>función</a:t>
+            </a:r>
+            <a:r>
+              <a:rPr lang="en-US" dirty="0"/>
+              <a:t> de los id que </a:t>
+            </a:r>
+            <a:r>
+              <a:rPr lang="en-US" dirty="0" err="1"/>
+              <a:t>guarda</a:t>
+            </a:r>
+            <a:r>
+              <a:rPr lang="en-US" dirty="0"/>
+              <a:t> el </a:t>
+            </a:r>
+            <a:r>
+              <a:rPr lang="en-US" dirty="0" err="1"/>
+              <a:t>archivo</a:t>
+            </a:r>
+            <a:r>
+              <a:rPr lang="en-US" dirty="0"/>
+              <a:t> de </a:t>
+            </a:r>
+            <a:r>
+              <a:rPr lang="en-US" dirty="0" err="1"/>
+              <a:t>Katalon</a:t>
+            </a:r>
+            <a:r>
+              <a:rPr lang="en-US" dirty="0"/>
+              <a:t>: Pedidos_Creados_Katalon.xlsx </a:t>
+            </a:r>
+          </a:p>
+          <a:p>
+            <a:r>
+              <a:rPr lang="en-US" dirty="0"/>
+              <a:t>Este </a:t>
+            </a:r>
+            <a:r>
+              <a:rPr lang="en-US" dirty="0" err="1"/>
+              <a:t>archivo</a:t>
+            </a:r>
+            <a:r>
+              <a:rPr lang="en-US" dirty="0"/>
+              <a:t> </a:t>
+            </a:r>
+            <a:r>
+              <a:rPr lang="en-US" dirty="0" err="1"/>
+              <a:t>crea</a:t>
+            </a:r>
+            <a:r>
+              <a:rPr lang="en-US" dirty="0"/>
+              <a:t> </a:t>
+            </a:r>
+            <a:r>
+              <a:rPr lang="en-US" dirty="0" err="1"/>
+              <a:t>columnas</a:t>
+            </a:r>
+            <a:r>
+              <a:rPr lang="en-US" dirty="0"/>
+              <a:t> </a:t>
+            </a:r>
+            <a:r>
+              <a:rPr lang="en-US" dirty="0" err="1"/>
+              <a:t>aleatorias</a:t>
+            </a:r>
+            <a:r>
+              <a:rPr lang="en-US" dirty="0"/>
+              <a:t> para la </a:t>
+            </a:r>
+            <a:r>
+              <a:rPr lang="en-US" dirty="0" err="1"/>
+              <a:t>Aprob</a:t>
+            </a:r>
+            <a:r>
+              <a:rPr lang="en-US" dirty="0"/>
+              <a:t>. de Ventas, </a:t>
+            </a:r>
+            <a:r>
+              <a:rPr lang="en-US" dirty="0" err="1"/>
+              <a:t>Aprob</a:t>
+            </a:r>
+            <a:r>
+              <a:rPr lang="en-US" dirty="0"/>
+              <a:t>. </a:t>
+            </a:r>
+            <a:r>
+              <a:rPr lang="en-US" dirty="0" err="1"/>
+              <a:t>Financiera</a:t>
+            </a:r>
+            <a:r>
+              <a:rPr lang="en-US" dirty="0"/>
+              <a:t>, y </a:t>
+            </a:r>
+            <a:r>
+              <a:rPr lang="en-US" dirty="0" err="1"/>
+              <a:t>Aprob</a:t>
+            </a:r>
+            <a:r>
+              <a:rPr lang="en-US" dirty="0"/>
+              <a:t>. de </a:t>
+            </a:r>
+            <a:r>
+              <a:rPr lang="en-US" dirty="0" err="1"/>
+              <a:t>Producción</a:t>
+            </a:r>
+            <a:r>
+              <a:rPr lang="en-US" dirty="0"/>
+              <a:t>.</a:t>
+            </a:r>
+          </a:p>
+          <a:p>
+            <a:r>
+              <a:rPr lang="en-US" dirty="0"/>
+              <a:t>Para </a:t>
+            </a:r>
+            <a:r>
+              <a:rPr lang="en-US" dirty="0" err="1"/>
+              <a:t>cumplir</a:t>
+            </a:r>
+            <a:r>
+              <a:rPr lang="en-US" dirty="0"/>
+              <a:t> con los </a:t>
+            </a:r>
+            <a:r>
+              <a:rPr lang="en-US" dirty="0" err="1"/>
+              <a:t>porcentajes</a:t>
+            </a:r>
+            <a:r>
+              <a:rPr lang="en-US" dirty="0"/>
+              <a:t> se </a:t>
+            </a:r>
+            <a:r>
+              <a:rPr lang="en-US" dirty="0" err="1"/>
+              <a:t>obligo</a:t>
+            </a:r>
+            <a:r>
+              <a:rPr lang="en-US" dirty="0"/>
+              <a:t> que </a:t>
+            </a:r>
+            <a:r>
+              <a:rPr lang="en-US" dirty="0" err="1"/>
+              <a:t>Aprob</a:t>
+            </a:r>
+            <a:r>
+              <a:rPr lang="en-US" dirty="0"/>
+              <a:t>. de Ventas </a:t>
+            </a:r>
+            <a:r>
+              <a:rPr lang="en-US" dirty="0" err="1"/>
+              <a:t>siempre</a:t>
+            </a:r>
+            <a:r>
+              <a:rPr lang="en-US" dirty="0"/>
+              <a:t> sea </a:t>
+            </a:r>
+            <a:r>
+              <a:rPr lang="en-US" dirty="0" err="1"/>
+              <a:t>aprobado</a:t>
+            </a:r>
+            <a:r>
+              <a:rPr lang="en-US" dirty="0"/>
+              <a:t> y </a:t>
+            </a:r>
+            <a:r>
+              <a:rPr lang="en-US" dirty="0" err="1"/>
+              <a:t>Aprob</a:t>
+            </a:r>
+            <a:r>
+              <a:rPr lang="en-US" dirty="0"/>
+              <a:t>. </a:t>
+            </a:r>
+            <a:r>
+              <a:rPr lang="en-US" dirty="0" err="1"/>
+              <a:t>Financiera</a:t>
+            </a:r>
+            <a:r>
+              <a:rPr lang="en-US" dirty="0"/>
+              <a:t>, y </a:t>
+            </a:r>
+            <a:r>
+              <a:rPr lang="en-US" dirty="0" err="1"/>
+              <a:t>Aprob</a:t>
+            </a:r>
+            <a:r>
+              <a:rPr lang="en-US" dirty="0"/>
+              <a:t>. De </a:t>
+            </a:r>
+            <a:r>
+              <a:rPr lang="en-US" dirty="0" err="1"/>
+              <a:t>Producción</a:t>
+            </a:r>
+            <a:r>
+              <a:rPr lang="en-US" dirty="0"/>
+              <a:t> sea </a:t>
+            </a:r>
+            <a:r>
+              <a:rPr lang="en-US" dirty="0" err="1"/>
+              <a:t>aleatorio</a:t>
+            </a:r>
+            <a:r>
+              <a:rPr lang="en-US" dirty="0"/>
+              <a:t>  para que </a:t>
+            </a:r>
+            <a:r>
+              <a:rPr lang="en-US" dirty="0" err="1"/>
+              <a:t>lograr</a:t>
+            </a:r>
+            <a:r>
+              <a:rPr lang="en-US" dirty="0"/>
+              <a:t> </a:t>
+            </a:r>
+            <a:r>
+              <a:rPr lang="en-US" dirty="0" err="1"/>
+              <a:t>cumplir</a:t>
+            </a:r>
+            <a:r>
+              <a:rPr lang="en-US" dirty="0"/>
+              <a:t> con el </a:t>
+            </a:r>
+            <a:r>
+              <a:rPr lang="en-US" dirty="0" err="1"/>
+              <a:t>porcentaje</a:t>
+            </a:r>
+            <a:r>
+              <a:rPr lang="en-US" dirty="0"/>
+              <a:t> de </a:t>
+            </a:r>
+            <a:r>
+              <a:rPr lang="en-US" dirty="0" err="1"/>
+              <a:t>archivos</a:t>
+            </a:r>
+            <a:r>
+              <a:rPr lang="en-US" dirty="0"/>
+              <a:t> </a:t>
+            </a:r>
+            <a:r>
+              <a:rPr lang="en-US" dirty="0" err="1"/>
+              <a:t>aprobados</a:t>
+            </a:r>
+            <a:r>
+              <a:rPr lang="en-US" dirty="0"/>
+              <a:t>.</a:t>
+            </a:r>
+          </a:p>
+          <a:p>
+            <a:r>
+              <a:rPr lang="en-US" dirty="0"/>
               <a:t>Los </a:t>
             </a:r>
             <a:r>
@@ -11226,7 +11678,7 @@
             </a:r>
             <a:r>
               <a:rPr lang="en-US" dirty="0" err="1"/>
-              <a:t>están</a:t>
+              <a:t>estan</a:t>
             </a:r>
             <a:r>
               <a:rPr lang="en-US" dirty="0"/>
@@ -11237,9 +11689,89 @@
               <a:t>en</a:t>
             </a:r>
             <a:r>
-              <a:rPr lang="es-VE" dirty="0"/>
-              <a:t> estado confirmado</a:t>
-            </a:r>
+              <a:rPr lang="en-US" dirty="0"/>
+              <a:t> </a:t>
+            </a:r>
+            <a:r>
+              <a:rPr lang="en-US" dirty="0" err="1"/>
+              <a:t>estatus</a:t>
+            </a:r>
+            <a:r>
+              <a:rPr lang="en-US" dirty="0"/>
+              <a:t> </a:t>
+            </a:r>
+            <a:r>
+              <a:rPr lang="en-US" dirty="0" err="1"/>
+              <a:t>Creado</a:t>
+            </a:r>
+            <a:r>
+              <a:rPr lang="en-US" dirty="0"/>
+              <a:t> y </a:t>
+            </a:r>
+            <a:r>
+              <a:rPr lang="en-US" dirty="0" err="1"/>
+              <a:t>omite</a:t>
+            </a:r>
+            <a:r>
+              <a:rPr lang="en-US" dirty="0"/>
+              <a:t> los </a:t>
+            </a:r>
+            <a:r>
+              <a:rPr lang="en-US" dirty="0" err="1"/>
+              <a:t>pedidos</a:t>
+            </a:r>
+            <a:r>
+              <a:rPr lang="en-US" dirty="0"/>
+              <a:t> </a:t>
+            </a:r>
+            <a:r>
+              <a:rPr lang="en-US" dirty="0" err="1"/>
+              <a:t>en</a:t>
+            </a:r>
+            <a:r>
+              <a:rPr lang="en-US" dirty="0"/>
+              <a:t> </a:t>
+            </a:r>
+            <a:r>
+              <a:rPr lang="en-US" dirty="0" err="1"/>
+              <a:t>borrador</a:t>
+            </a:r>
+            <a:r>
+              <a:rPr lang="en-US" dirty="0"/>
+              <a:t> para </a:t>
+            </a:r>
+            <a:r>
+              <a:rPr lang="en-US" dirty="0" err="1"/>
+              <a:t>efectuar</a:t>
+            </a:r>
+            <a:r>
+              <a:rPr lang="en-US" dirty="0"/>
+              <a:t> </a:t>
+            </a:r>
+            <a:r>
+              <a:rPr lang="en-US" dirty="0" err="1"/>
+              <a:t>este</a:t>
+            </a:r>
+            <a:r>
+              <a:rPr lang="en-US" dirty="0"/>
+              <a:t> </a:t>
+            </a:r>
+            <a:r>
+              <a:rPr lang="en-US" dirty="0" err="1"/>
+              <a:t>paso</a:t>
+            </a:r>
+            <a:r>
+              <a:rPr lang="en-US" dirty="0"/>
+              <a:t>.</a:t>
+            </a:r>
+          </a:p>
+          <a:p>
+            <a:endParaRPr lang="en-US" dirty="0"/>
+          </a:p>
+          <a:p>
+            <a:endParaRPr lang="en-US" dirty="0"/>
+          </a:p>
+          <a:p>
             <a:endParaRPr lang="en-US" dirty="0"/>
           </a:p>
         </p:txBody>
@@ -11247,7 +11779,7 @@
     </p:spTree>
     <p:extLst>
       <p:ext uri="{BB962C8B-B14F-4D97-AF65-F5344CB8AC3E}">
-        <p14:creationId xmlns:p14="http://schemas.microsoft.com/office/powerpoint/2010/main" val="47719604"/>
+        <p14:creationId xmlns:p14="http://schemas.microsoft.com/office/powerpoint/2010/main" val="1787732742"/>
       </p:ext>
     </p:extLst>
   </p:cSld>
@@ -11279,7 +11811,7 @@
           <p:cNvPr id="2" name="Título 1">
             <a:extLst>
               <a:ext uri="{FF2B5EF4-FFF2-40B4-BE49-F238E27FC236}">
-                <a16:creationId xmlns:a16="http://schemas.microsoft.com/office/drawing/2014/main" id="{9359DE35-1419-4B72-AC2B-2D6C6FA0E798}"/>
+                <a16:creationId xmlns:a16="http://schemas.microsoft.com/office/drawing/2014/main" id="{BCE5B4F8-89BE-4AC2-ABF7-10BF5CFE9647}"/>
               </a:ext>
             </a:extLst>
           </p:cNvPr>
@@ -11296,8 +11828,24 @@
           <a:lstStyle/>
           <a:p>
             <a:r>
-              <a:rPr lang="es-VE" dirty="0"/>
-              <a:t>Consideraciones en Inventario</a:t>
+              <a:rPr lang="en-US" dirty="0" err="1"/>
+              <a:t>Consideraciones</a:t>
+            </a:r>
+            <a:r>
+              <a:rPr lang="en-US" dirty="0"/>
+              <a:t> </a:t>
+            </a:r>
+            <a:r>
+              <a:rPr lang="en-US" dirty="0" err="1"/>
+              <a:t>en</a:t>
+            </a:r>
+            <a:r>
+              <a:rPr lang="en-US" dirty="0"/>
+              <a:t> Cargos </a:t>
+            </a:r>
+            <a:r>
+              <a:rPr lang="en-US" dirty="0" err="1"/>
+              <a:t>Logísticos</a:t>
             </a:r>
             <a:endParaRPr lang="en-US" dirty="0"/>
           </a:p>
@@ -11308,7 +11856,7 @@
           <p:cNvPr id="3" name="Marcador de contenido 2">
             <a:extLst>
               <a:ext uri="{FF2B5EF4-FFF2-40B4-BE49-F238E27FC236}">
-                <a16:creationId xmlns:a16="http://schemas.microsoft.com/office/drawing/2014/main" id="{89AA158B-1156-4FDE-99EA-0D7729CF71DA}"/>
+                <a16:creationId xmlns:a16="http://schemas.microsoft.com/office/drawing/2014/main" id="{1333D51E-40D3-499C-9E37-0E94A1CD3ACB}"/>
               </a:ext>
             </a:extLst>
           </p:cNvPr>
@@ -11324,40 +11872,178 @@
           <a:bodyPr/>
           <a:lstStyle/>
           <a:p>
+            <a:endParaRPr lang="en-US" dirty="0"/>
+          </a:p>
+          <a:p>
+            <a:r>
+              <a:rPr lang="en-US" dirty="0"/>
+              <a:t>Los </a:t>
+            </a:r>
+            <a:r>
+              <a:rPr lang="en-US" dirty="0" err="1"/>
+              <a:t>pedidos</a:t>
+            </a:r>
+            <a:r>
+              <a:rPr lang="en-US" dirty="0"/>
+              <a:t> </a:t>
+            </a:r>
+            <a:r>
+              <a:rPr lang="en-US" dirty="0" err="1"/>
+              <a:t>seleccionados</a:t>
+            </a:r>
+            <a:r>
+              <a:rPr lang="en-US" dirty="0"/>
+              <a:t> </a:t>
+            </a:r>
+            <a:r>
+              <a:rPr lang="en-US" dirty="0" err="1"/>
+              <a:t>están</a:t>
+            </a:r>
+            <a:r>
+              <a:rPr lang="en-US" dirty="0"/>
+              <a:t> </a:t>
+            </a:r>
+            <a:r>
+              <a:rPr lang="en-US" dirty="0" err="1"/>
+              <a:t>en</a:t>
+            </a:r>
+            <a:r>
+              <a:rPr lang="en-US" dirty="0"/>
+              <a:t> </a:t>
+            </a:r>
+            <a:r>
+              <a:rPr lang="en-US" dirty="0" err="1"/>
+              <a:t>estatus</a:t>
+            </a:r>
+            <a:r>
+              <a:rPr lang="en-US" dirty="0"/>
+              <a:t> </a:t>
+            </a:r>
+            <a:r>
+              <a:rPr lang="en-US" dirty="0" err="1"/>
+              <a:t>aprobado</a:t>
+            </a:r>
+            <a:r>
+              <a:rPr lang="en-US" dirty="0"/>
+              <a:t>.</a:t>
+            </a:r>
+          </a:p>
+          <a:p>
+            <a:r>
+              <a:rPr lang="en-US" dirty="0"/>
+              <a:t>Se </a:t>
+            </a:r>
+            <a:r>
+              <a:rPr lang="en-US" dirty="0" err="1"/>
+              <a:t>pueden</a:t>
+            </a:r>
+            <a:r>
+              <a:rPr lang="en-US" dirty="0"/>
+              <a:t> a</a:t>
+            </a:r>
+            <a:r>
+              <a:rPr lang="es-VE" dirty="0" err="1"/>
+              <a:t>ñadir</a:t>
+            </a:r>
             <a:r>
               <a:rPr lang="es-VE" dirty="0"/>
-              <a:t>El Concepto y Motivo son constantes y se pueden cambiar en las variables globales: </a:t>
-            </a:r>
-            <a:r>
-              <a:rPr lang="es-VE" dirty="0" err="1"/>
-              <a:t>EntradaDeMercancias</a:t>
-            </a:r>
-            <a:r>
-              <a:rPr lang="es-VE" dirty="0"/>
-              <a:t> y </a:t>
-            </a:r>
-            <a:r>
-              <a:rPr lang="es-VE" dirty="0" err="1"/>
-              <a:t>EntradaPorFabricacion</a:t>
-            </a:r>
-            <a:r>
-              <a:rPr lang="es-VE" dirty="0"/>
-              <a:t>.</a:t>
-            </a:r>
-          </a:p>
-          <a:p>
-            <a:r>
-              <a:rPr lang="es-VE" dirty="0"/>
-              <a:t>Se añaden los productos y cantidades que tienen los pedidos </a:t>
+              <a:t> un máximo dos cargos logísticos. Son aleatorios y no se repiten entre si. </a:t>
             </a:r>
             <a:endParaRPr lang="en-US" dirty="0"/>
+          </a:p>
+          <a:p>
+            <a:r>
+              <a:rPr lang="en-US" dirty="0"/>
+              <a:t>Los </a:t>
+            </a:r>
+            <a:r>
+              <a:rPr lang="en-US" dirty="0" err="1"/>
+              <a:t>datos</a:t>
+            </a:r>
+            <a:r>
+              <a:rPr lang="en-US" dirty="0"/>
+              <a:t> </a:t>
+            </a:r>
+            <a:r>
+              <a:rPr lang="en-US" dirty="0" err="1"/>
+              <a:t>como</a:t>
+            </a:r>
+            <a:r>
+              <a:rPr lang="en-US" dirty="0"/>
+              <a:t> Naviera, </a:t>
+            </a:r>
+            <a:r>
+              <a:rPr lang="en-US" dirty="0" err="1"/>
+              <a:t>Contenedor</a:t>
+            </a:r>
+            <a:r>
+              <a:rPr lang="en-US" dirty="0"/>
+              <a:t>, </a:t>
+            </a:r>
+            <a:r>
+              <a:rPr lang="en-US" dirty="0" err="1"/>
+              <a:t>Sello</a:t>
+            </a:r>
+            <a:r>
+              <a:rPr lang="en-US" dirty="0"/>
+              <a:t> y Valor son </a:t>
+            </a:r>
+            <a:r>
+              <a:rPr lang="en-US" dirty="0" err="1"/>
+              <a:t>constantes</a:t>
+            </a:r>
+            <a:r>
+              <a:rPr lang="en-US" dirty="0"/>
+              <a:t> se </a:t>
+            </a:r>
+            <a:r>
+              <a:rPr lang="en-US" dirty="0" err="1"/>
+              <a:t>pueden</a:t>
+            </a:r>
+            <a:r>
+              <a:rPr lang="en-US" dirty="0"/>
+              <a:t> </a:t>
+            </a:r>
+            <a:r>
+              <a:rPr lang="en-US" dirty="0" err="1"/>
+              <a:t>cambiar</a:t>
+            </a:r>
+            <a:r>
+              <a:rPr lang="en-US" dirty="0"/>
+              <a:t> </a:t>
+            </a:r>
+            <a:r>
+              <a:rPr lang="en-US" dirty="0" err="1"/>
+              <a:t>en</a:t>
+            </a:r>
+            <a:r>
+              <a:rPr lang="en-US" dirty="0"/>
+              <a:t> las variables </a:t>
+            </a:r>
+            <a:r>
+              <a:rPr lang="en-US" dirty="0" err="1"/>
+              <a:t>globales</a:t>
+            </a:r>
+            <a:r>
+              <a:rPr lang="en-US" dirty="0"/>
+              <a:t> de </a:t>
+            </a:r>
+            <a:r>
+              <a:rPr lang="en-US" dirty="0" err="1"/>
+              <a:t>Katalon</a:t>
+            </a:r>
+            <a:r>
+              <a:rPr lang="en-US" dirty="0"/>
+              <a:t>. </a:t>
+            </a:r>
+            <a:endParaRPr lang="es-VE" dirty="0"/>
           </a:p>
         </p:txBody>
       </p:sp>
     </p:spTree>
     <p:extLst>
       <p:ext uri="{BB962C8B-B14F-4D97-AF65-F5344CB8AC3E}">
-        <p14:creationId xmlns:p14="http://schemas.microsoft.com/office/powerpoint/2010/main" val="3243823854"/>
+        <p14:creationId xmlns:p14="http://schemas.microsoft.com/office/powerpoint/2010/main" val="2981045520"/>
       </p:ext>
     </p:extLst>
   </p:cSld>
@@ -11389,7 +12075,7 @@
           <p:cNvPr id="2" name="Título 1">
             <a:extLst>
               <a:ext uri="{FF2B5EF4-FFF2-40B4-BE49-F238E27FC236}">
-                <a16:creationId xmlns:a16="http://schemas.microsoft.com/office/drawing/2014/main" id="{7EEEB668-EA4C-4890-A5FB-75A32E2F962A}"/>
+                <a16:creationId xmlns:a16="http://schemas.microsoft.com/office/drawing/2014/main" id="{7444905B-1A13-4697-AB95-7538F850468F}"/>
               </a:ext>
             </a:extLst>
           </p:cNvPr>
@@ -11407,7 +12093,7 @@
           <a:p>
             <a:r>
               <a:rPr lang="es-VE" dirty="0"/>
-              <a:t>Consideraciones en Despacho</a:t>
+              <a:t>Consideraciones en Orden de Producción</a:t>
             </a:r>
             <a:endParaRPr lang="en-US" dirty="0"/>
           </a:p>
@@ -11418,7 +12104,7 @@
           <p:cNvPr id="3" name="Marcador de contenido 2">
             <a:extLst>
               <a:ext uri="{FF2B5EF4-FFF2-40B4-BE49-F238E27FC236}">
-                <a16:creationId xmlns:a16="http://schemas.microsoft.com/office/drawing/2014/main" id="{6CDA1F8C-CAA0-422D-9E3F-67A703517D74}"/>
+                <a16:creationId xmlns:a16="http://schemas.microsoft.com/office/drawing/2014/main" id="{6129A004-DAFB-4BB4-A262-30633B1F6110}"/>
               </a:ext>
             </a:extLst>
           </p:cNvPr>
@@ -11435,65 +12121,41 @@
           <a:lstStyle/>
           <a:p>
             <a:r>
+              <a:rPr lang="en-US" dirty="0"/>
+              <a:t>Los </a:t>
+            </a:r>
+            <a:r>
+              <a:rPr lang="en-US" dirty="0" err="1"/>
+              <a:t>pedidos</a:t>
+            </a:r>
+            <a:r>
+              <a:rPr lang="en-US" dirty="0"/>
+              <a:t> </a:t>
+            </a:r>
+            <a:r>
+              <a:rPr lang="en-US" dirty="0" err="1"/>
+              <a:t>seleccionados</a:t>
+            </a:r>
+            <a:r>
+              <a:rPr lang="en-US" dirty="0"/>
+              <a:t> </a:t>
+            </a:r>
+            <a:r>
+              <a:rPr lang="en-US" dirty="0" err="1"/>
+              <a:t>están</a:t>
+            </a:r>
+            <a:r>
+              <a:rPr lang="en-US" dirty="0"/>
+              <a:t> </a:t>
+            </a:r>
+            <a:r>
+              <a:rPr lang="en-US" dirty="0" err="1"/>
+              <a:t>en</a:t>
+            </a:r>
+            <a:r>
               <a:rPr lang="es-VE" dirty="0"/>
-              <a:t>La cantidad a despachar es constante por lo que se puede cambiar en las variables globales de </a:t>
-            </a:r>
-            <a:r>
-              <a:rPr lang="es-VE" dirty="0" err="1"/>
-              <a:t>Katalon</a:t>
-            </a:r>
-            <a:r>
-              <a:rPr lang="es-VE" dirty="0"/>
-              <a:t>. Siempre será la misma para todos los pedidos.</a:t>
-            </a:r>
-          </a:p>
-          <a:p>
-            <a:r>
-              <a:rPr lang="en-US" dirty="0"/>
-              <a:t>Los </a:t>
-            </a:r>
-            <a:r>
-              <a:rPr lang="en-US" dirty="0" err="1"/>
-              <a:t>pedidos</a:t>
-            </a:r>
-            <a:r>
-              <a:rPr lang="en-US" dirty="0"/>
-              <a:t> </a:t>
-            </a:r>
-            <a:r>
-              <a:rPr lang="en-US" dirty="0" err="1"/>
-              <a:t>seleccionados</a:t>
-            </a:r>
-            <a:r>
-              <a:rPr lang="en-US" dirty="0"/>
-              <a:t> </a:t>
-            </a:r>
-            <a:r>
-              <a:rPr lang="en-US" dirty="0" err="1"/>
-              <a:t>están</a:t>
-            </a:r>
-            <a:r>
-              <a:rPr lang="en-US" dirty="0"/>
-              <a:t> </a:t>
-            </a:r>
-            <a:r>
-              <a:rPr lang="en-US" dirty="0" err="1"/>
-              <a:t>en</a:t>
-            </a:r>
-            <a:r>
-              <a:rPr lang="en-US" dirty="0"/>
-              <a:t> </a:t>
-            </a:r>
-            <a:r>
-              <a:rPr lang="es-VE" dirty="0"/>
-              <a:t>estado producido.</a:t>
-            </a:r>
-            <a:endParaRPr lang="en-US" dirty="0"/>
-          </a:p>
-          <a:p>
-            <a:endParaRPr lang="es-VE" dirty="0"/>
-          </a:p>
-          <a:p>
+              <a:t> estado confirmado</a:t>
+            </a:r>
             <a:endParaRPr lang="en-US" dirty="0"/>
           </a:p>
         </p:txBody>
@@ -11501,7 +12163,7 @@
     </p:spTree>
     <p:extLst>
       <p:ext uri="{BB962C8B-B14F-4D97-AF65-F5344CB8AC3E}">
-        <p14:creationId xmlns:p14="http://schemas.microsoft.com/office/powerpoint/2010/main" val="1100035871"/>
+        <p14:creationId xmlns:p14="http://schemas.microsoft.com/office/powerpoint/2010/main" val="47719604"/>
       </p:ext>
     </p:extLst>
   </p:cSld>
